--- a/figs/closed-loop.pptx
+++ b/figs/closed-loop.pptx
@@ -7,7 +7,7 @@
   <p:sldIdLst>
     <p:sldId id="256" r:id="rId2"/>
   </p:sldIdLst>
-  <p:sldSz cx="9144000" cy="6858000" type="screen4x3"/>
+  <p:sldSz cx="13716000" cy="6858000"/>
   <p:notesSz cx="6858000" cy="9144000"/>
   <p:defaultTextStyle>
     <a:defPPr>
@@ -136,8 +136,8 @@
         </p:nvSpPr>
         <p:spPr>
           <a:xfrm>
-            <a:off x="685800" y="2130425"/>
-            <a:ext cx="7772400" cy="1470025"/>
+            <a:off x="1028700" y="2130427"/>
+            <a:ext cx="11658600" cy="1470025"/>
           </a:xfrm>
         </p:spPr>
         <p:txBody>
@@ -164,8 +164,8 @@
         </p:nvSpPr>
         <p:spPr>
           <a:xfrm>
-            <a:off x="1371600" y="3886200"/>
-            <a:ext cx="6400800" cy="1752600"/>
+            <a:off x="2057400" y="3886200"/>
+            <a:ext cx="9601200" cy="1752600"/>
           </a:xfrm>
         </p:spPr>
         <p:txBody>
@@ -288,7 +288,7 @@
           <a:p>
             <a:fld id="{E9EB3E5B-3A48-BE41-BA18-533F6FCB141B}" type="datetimeFigureOut">
               <a:rPr kumimoji="1" lang="zh-CN" altLang="en-US" smtClean="0"/>
-              <a:t>7/25/15</a:t>
+              <a:t>7/27/15</a:t>
             </a:fld>
             <a:endParaRPr kumimoji="1" lang="zh-CN" altLang="en-US"/>
           </a:p>
@@ -458,7 +458,7 @@
           <a:p>
             <a:fld id="{E9EB3E5B-3A48-BE41-BA18-533F6FCB141B}" type="datetimeFigureOut">
               <a:rPr kumimoji="1" lang="zh-CN" altLang="en-US" smtClean="0"/>
-              <a:t>7/25/15</a:t>
+              <a:t>7/27/15</a:t>
             </a:fld>
             <a:endParaRPr kumimoji="1" lang="zh-CN" altLang="en-US"/>
           </a:p>
@@ -548,8 +548,8 @@
         </p:nvSpPr>
         <p:spPr>
           <a:xfrm>
-            <a:off x="6629400" y="274638"/>
-            <a:ext cx="2057400" cy="5851525"/>
+            <a:off x="9944100" y="274640"/>
+            <a:ext cx="3086100" cy="5851525"/>
           </a:xfrm>
         </p:spPr>
         <p:txBody>
@@ -576,8 +576,8 @@
         </p:nvSpPr>
         <p:spPr>
           <a:xfrm>
-            <a:off x="457200" y="274638"/>
-            <a:ext cx="6019800" cy="5851525"/>
+            <a:off x="685800" y="274640"/>
+            <a:ext cx="9029700" cy="5851525"/>
           </a:xfrm>
         </p:spPr>
         <p:txBody>
@@ -638,7 +638,7 @@
           <a:p>
             <a:fld id="{E9EB3E5B-3A48-BE41-BA18-533F6FCB141B}" type="datetimeFigureOut">
               <a:rPr kumimoji="1" lang="zh-CN" altLang="en-US" smtClean="0"/>
-              <a:t>7/25/15</a:t>
+              <a:t>7/27/15</a:t>
             </a:fld>
             <a:endParaRPr kumimoji="1" lang="zh-CN" altLang="en-US"/>
           </a:p>
@@ -808,7 +808,7 @@
           <a:p>
             <a:fld id="{E9EB3E5B-3A48-BE41-BA18-533F6FCB141B}" type="datetimeFigureOut">
               <a:rPr kumimoji="1" lang="zh-CN" altLang="en-US" smtClean="0"/>
-              <a:t>7/25/15</a:t>
+              <a:t>7/27/15</a:t>
             </a:fld>
             <a:endParaRPr kumimoji="1" lang="zh-CN" altLang="en-US"/>
           </a:p>
@@ -898,8 +898,8 @@
         </p:nvSpPr>
         <p:spPr>
           <a:xfrm>
-            <a:off x="722313" y="4406900"/>
-            <a:ext cx="7772400" cy="1362075"/>
+            <a:off x="1083470" y="4406902"/>
+            <a:ext cx="11658600" cy="1362075"/>
           </a:xfrm>
         </p:spPr>
         <p:txBody>
@@ -930,8 +930,8 @@
         </p:nvSpPr>
         <p:spPr>
           <a:xfrm>
-            <a:off x="722313" y="2906713"/>
-            <a:ext cx="7772400" cy="1500187"/>
+            <a:off x="1083470" y="2906713"/>
+            <a:ext cx="11658600" cy="1500187"/>
           </a:xfrm>
         </p:spPr>
         <p:txBody>
@@ -1054,7 +1054,7 @@
           <a:p>
             <a:fld id="{E9EB3E5B-3A48-BE41-BA18-533F6FCB141B}" type="datetimeFigureOut">
               <a:rPr kumimoji="1" lang="zh-CN" altLang="en-US" smtClean="0"/>
-              <a:t>7/25/15</a:t>
+              <a:t>7/27/15</a:t>
             </a:fld>
             <a:endParaRPr kumimoji="1" lang="zh-CN" altLang="en-US"/>
           </a:p>
@@ -1167,8 +1167,8 @@
         </p:nvSpPr>
         <p:spPr>
           <a:xfrm>
-            <a:off x="457200" y="1600200"/>
-            <a:ext cx="4038600" cy="4525963"/>
+            <a:off x="685800" y="1600202"/>
+            <a:ext cx="6057900" cy="4525963"/>
           </a:xfrm>
         </p:spPr>
         <p:txBody>
@@ -1252,8 +1252,8 @@
         </p:nvSpPr>
         <p:spPr>
           <a:xfrm>
-            <a:off x="4648200" y="1600200"/>
-            <a:ext cx="4038600" cy="4525963"/>
+            <a:off x="6972300" y="1600202"/>
+            <a:ext cx="6057900" cy="4525963"/>
           </a:xfrm>
         </p:spPr>
         <p:txBody>
@@ -1342,7 +1342,7 @@
           <a:p>
             <a:fld id="{E9EB3E5B-3A48-BE41-BA18-533F6FCB141B}" type="datetimeFigureOut">
               <a:rPr kumimoji="1" lang="zh-CN" altLang="en-US" smtClean="0"/>
-              <a:t>7/25/15</a:t>
+              <a:t>7/27/15</a:t>
             </a:fld>
             <a:endParaRPr kumimoji="1" lang="zh-CN" altLang="en-US"/>
           </a:p>
@@ -1459,8 +1459,8 @@
         </p:nvSpPr>
         <p:spPr>
           <a:xfrm>
-            <a:off x="457200" y="1535113"/>
-            <a:ext cx="4040188" cy="639762"/>
+            <a:off x="685800" y="1535114"/>
+            <a:ext cx="6060282" cy="639763"/>
           </a:xfrm>
         </p:spPr>
         <p:txBody>
@@ -1524,8 +1524,8 @@
         </p:nvSpPr>
         <p:spPr>
           <a:xfrm>
-            <a:off x="457200" y="2174875"/>
-            <a:ext cx="4040188" cy="3951288"/>
+            <a:off x="685800" y="2174875"/>
+            <a:ext cx="6060282" cy="3951288"/>
           </a:xfrm>
         </p:spPr>
         <p:txBody>
@@ -1609,8 +1609,8 @@
         </p:nvSpPr>
         <p:spPr>
           <a:xfrm>
-            <a:off x="4645025" y="1535113"/>
-            <a:ext cx="4041775" cy="639762"/>
+            <a:off x="6967541" y="1535114"/>
+            <a:ext cx="6062663" cy="639763"/>
           </a:xfrm>
         </p:spPr>
         <p:txBody>
@@ -1674,8 +1674,8 @@
         </p:nvSpPr>
         <p:spPr>
           <a:xfrm>
-            <a:off x="4645025" y="2174875"/>
-            <a:ext cx="4041775" cy="3951288"/>
+            <a:off x="6967541" y="2174875"/>
+            <a:ext cx="6062663" cy="3951288"/>
           </a:xfrm>
         </p:spPr>
         <p:txBody>
@@ -1764,7 +1764,7 @@
           <a:p>
             <a:fld id="{E9EB3E5B-3A48-BE41-BA18-533F6FCB141B}" type="datetimeFigureOut">
               <a:rPr kumimoji="1" lang="zh-CN" altLang="en-US" smtClean="0"/>
-              <a:t>7/25/15</a:t>
+              <a:t>7/27/15</a:t>
             </a:fld>
             <a:endParaRPr kumimoji="1" lang="zh-CN" altLang="en-US"/>
           </a:p>
@@ -1882,7 +1882,7 @@
           <a:p>
             <a:fld id="{E9EB3E5B-3A48-BE41-BA18-533F6FCB141B}" type="datetimeFigureOut">
               <a:rPr kumimoji="1" lang="zh-CN" altLang="en-US" smtClean="0"/>
-              <a:t>7/25/15</a:t>
+              <a:t>7/27/15</a:t>
             </a:fld>
             <a:endParaRPr kumimoji="1" lang="zh-CN" altLang="en-US"/>
           </a:p>
@@ -1977,7 +1977,7 @@
           <a:p>
             <a:fld id="{E9EB3E5B-3A48-BE41-BA18-533F6FCB141B}" type="datetimeFigureOut">
               <a:rPr kumimoji="1" lang="zh-CN" altLang="en-US" smtClean="0"/>
-              <a:t>7/25/15</a:t>
+              <a:t>7/27/15</a:t>
             </a:fld>
             <a:endParaRPr kumimoji="1" lang="zh-CN" altLang="en-US"/>
           </a:p>
@@ -2067,8 +2067,8 @@
         </p:nvSpPr>
         <p:spPr>
           <a:xfrm>
-            <a:off x="457200" y="273050"/>
-            <a:ext cx="3008313" cy="1162050"/>
+            <a:off x="685804" y="273050"/>
+            <a:ext cx="4512470" cy="1162051"/>
           </a:xfrm>
         </p:spPr>
         <p:txBody>
@@ -2099,8 +2099,8 @@
         </p:nvSpPr>
         <p:spPr>
           <a:xfrm>
-            <a:off x="3575050" y="273050"/>
-            <a:ext cx="5111750" cy="5853113"/>
+            <a:off x="5362575" y="273053"/>
+            <a:ext cx="7667625" cy="5853113"/>
           </a:xfrm>
         </p:spPr>
         <p:txBody>
@@ -2184,8 +2184,8 @@
         </p:nvSpPr>
         <p:spPr>
           <a:xfrm>
-            <a:off x="457200" y="1435100"/>
-            <a:ext cx="3008313" cy="4691063"/>
+            <a:off x="685804" y="1435103"/>
+            <a:ext cx="4512470" cy="4691063"/>
           </a:xfrm>
         </p:spPr>
         <p:txBody>
@@ -2254,7 +2254,7 @@
           <a:p>
             <a:fld id="{E9EB3E5B-3A48-BE41-BA18-533F6FCB141B}" type="datetimeFigureOut">
               <a:rPr kumimoji="1" lang="zh-CN" altLang="en-US" smtClean="0"/>
-              <a:t>7/25/15</a:t>
+              <a:t>7/27/15</a:t>
             </a:fld>
             <a:endParaRPr kumimoji="1" lang="zh-CN" altLang="en-US"/>
           </a:p>
@@ -2344,8 +2344,8 @@
         </p:nvSpPr>
         <p:spPr>
           <a:xfrm>
-            <a:off x="1792288" y="4800600"/>
-            <a:ext cx="5486400" cy="566738"/>
+            <a:off x="2688432" y="4800601"/>
+            <a:ext cx="8229600" cy="566739"/>
           </a:xfrm>
         </p:spPr>
         <p:txBody>
@@ -2376,8 +2376,8 @@
         </p:nvSpPr>
         <p:spPr>
           <a:xfrm>
-            <a:off x="1792288" y="612775"/>
-            <a:ext cx="5486400" cy="4114800"/>
+            <a:off x="2688432" y="612775"/>
+            <a:ext cx="8229600" cy="4114800"/>
           </a:xfrm>
         </p:spPr>
         <p:txBody>
@@ -2437,8 +2437,8 @@
         </p:nvSpPr>
         <p:spPr>
           <a:xfrm>
-            <a:off x="1792288" y="5367338"/>
-            <a:ext cx="5486400" cy="804862"/>
+            <a:off x="2688432" y="5367339"/>
+            <a:ext cx="8229600" cy="804863"/>
           </a:xfrm>
         </p:spPr>
         <p:txBody>
@@ -2507,7 +2507,7 @@
           <a:p>
             <a:fld id="{E9EB3E5B-3A48-BE41-BA18-533F6FCB141B}" type="datetimeFigureOut">
               <a:rPr kumimoji="1" lang="zh-CN" altLang="en-US" smtClean="0"/>
-              <a:t>7/25/15</a:t>
+              <a:t>7/27/15</a:t>
             </a:fld>
             <a:endParaRPr kumimoji="1" lang="zh-CN" altLang="en-US"/>
           </a:p>
@@ -2602,8 +2602,8 @@
         </p:nvSpPr>
         <p:spPr>
           <a:xfrm>
-            <a:off x="457200" y="274638"/>
-            <a:ext cx="8229600" cy="1143000"/>
+            <a:off x="685800" y="274639"/>
+            <a:ext cx="12344400" cy="1143000"/>
           </a:xfrm>
           <a:prstGeom prst="rect">
             <a:avLst/>
@@ -2635,8 +2635,8 @@
         </p:nvSpPr>
         <p:spPr>
           <a:xfrm>
-            <a:off x="457200" y="1600200"/>
-            <a:ext cx="8229600" cy="4525963"/>
+            <a:off x="685800" y="1600202"/>
+            <a:ext cx="12344400" cy="4525963"/>
           </a:xfrm>
           <a:prstGeom prst="rect">
             <a:avLst/>
@@ -2697,8 +2697,8 @@
         </p:nvSpPr>
         <p:spPr>
           <a:xfrm>
-            <a:off x="457200" y="6356350"/>
-            <a:ext cx="2133600" cy="365125"/>
+            <a:off x="685800" y="6356352"/>
+            <a:ext cx="3200400" cy="365125"/>
           </a:xfrm>
           <a:prstGeom prst="rect">
             <a:avLst/>
@@ -2720,7 +2720,7 @@
           <a:p>
             <a:fld id="{E9EB3E5B-3A48-BE41-BA18-533F6FCB141B}" type="datetimeFigureOut">
               <a:rPr kumimoji="1" lang="zh-CN" altLang="en-US" smtClean="0"/>
-              <a:t>7/25/15</a:t>
+              <a:t>7/27/15</a:t>
             </a:fld>
             <a:endParaRPr kumimoji="1" lang="zh-CN" altLang="en-US"/>
           </a:p>
@@ -2738,8 +2738,8 @@
         </p:nvSpPr>
         <p:spPr>
           <a:xfrm>
-            <a:off x="3124200" y="6356350"/>
-            <a:ext cx="2895600" cy="365125"/>
+            <a:off x="4686300" y="6356352"/>
+            <a:ext cx="4343400" cy="365125"/>
           </a:xfrm>
           <a:prstGeom prst="rect">
             <a:avLst/>
@@ -2775,8 +2775,8 @@
         </p:nvSpPr>
         <p:spPr>
           <a:xfrm>
-            <a:off x="6553200" y="6356350"/>
-            <a:ext cx="2133600" cy="365125"/>
+            <a:off x="9829800" y="6356352"/>
+            <a:ext cx="3200400" cy="365125"/>
           </a:xfrm>
           <a:prstGeom prst="rect">
             <a:avLst/>
@@ -3097,21 +3097,21 @@
       </p:grpSpPr>
       <p:grpSp>
         <p:nvGrpSpPr>
-          <p:cNvPr id="13" name="组 12"/>
+          <p:cNvPr id="31" name="组 30"/>
           <p:cNvGrpSpPr/>
           <p:nvPr/>
         </p:nvGrpSpPr>
         <p:grpSpPr>
           <a:xfrm>
-            <a:off x="4851987" y="2566220"/>
-            <a:ext cx="3609144" cy="1986678"/>
+            <a:off x="5002395" y="2566221"/>
+            <a:ext cx="3609144" cy="1986679"/>
             <a:chOff x="1420265" y="1572881"/>
             <a:chExt cx="5382317" cy="2889101"/>
           </a:xfrm>
         </p:grpSpPr>
         <p:sp>
           <p:nvSpPr>
-            <p:cNvPr id="4" name="圆角矩形 3"/>
+            <p:cNvPr id="32" name="圆角矩形 31"/>
             <p:cNvSpPr/>
             <p:nvPr/>
           </p:nvSpPr>
@@ -3160,7 +3160,7 @@
         </p:sp>
         <p:sp>
           <p:nvSpPr>
-            <p:cNvPr id="5" name="圆角矩形 4"/>
+            <p:cNvPr id="33" name="圆角矩形 32"/>
             <p:cNvSpPr/>
             <p:nvPr/>
           </p:nvSpPr>
@@ -3202,7 +3202,7 @@
         </p:sp>
         <p:sp>
           <p:nvSpPr>
-            <p:cNvPr id="6" name="圆角矩形 5"/>
+            <p:cNvPr id="34" name="圆角矩形 33"/>
             <p:cNvSpPr/>
             <p:nvPr/>
           </p:nvSpPr>
@@ -3244,10 +3244,10 @@
         </p:sp>
         <p:cxnSp>
           <p:nvCxnSpPr>
-            <p:cNvPr id="8" name="直线箭头连接符 7"/>
+            <p:cNvPr id="35" name="直线箭头连接符 34"/>
             <p:cNvCxnSpPr>
-              <a:stCxn id="6" idx="2"/>
-              <a:endCxn id="4" idx="0"/>
+              <a:stCxn id="34" idx="2"/>
+              <a:endCxn id="32" idx="0"/>
             </p:cNvCxnSpPr>
             <p:nvPr/>
           </p:nvCxnSpPr>
@@ -3283,10 +3283,10 @@
         </p:cxnSp>
         <p:cxnSp>
           <p:nvCxnSpPr>
-            <p:cNvPr id="10" name="直线箭头连接符 9"/>
+            <p:cNvPr id="36" name="直线箭头连接符 35"/>
             <p:cNvCxnSpPr>
-              <a:stCxn id="4" idx="3"/>
-              <a:endCxn id="5" idx="1"/>
+              <a:stCxn id="32" idx="3"/>
+              <a:endCxn id="33" idx="1"/>
             </p:cNvCxnSpPr>
             <p:nvPr/>
           </p:nvCxnSpPr>
@@ -3322,9 +3322,9 @@
         </p:cxnSp>
         <p:cxnSp>
           <p:nvCxnSpPr>
-            <p:cNvPr id="12" name="直线箭头连接符 11"/>
+            <p:cNvPr id="37" name="直线箭头连接符 36"/>
             <p:cNvCxnSpPr>
-              <a:stCxn id="5" idx="0"/>
+              <a:stCxn id="33" idx="0"/>
             </p:cNvCxnSpPr>
             <p:nvPr/>
           </p:nvCxnSpPr>
@@ -3336,7 +3336,10 @@
             <a:prstGeom prst="straightConnector1">
               <a:avLst/>
             </a:prstGeom>
-            <a:ln>
+            <a:ln w="57150" cmpd="sng">
+              <a:solidFill>
+                <a:srgbClr val="008000"/>
+              </a:solidFill>
               <a:tailEnd type="arrow"/>
             </a:ln>
           </p:spPr>
@@ -3358,21 +3361,21 @@
       </p:grpSp>
       <p:grpSp>
         <p:nvGrpSpPr>
-          <p:cNvPr id="14" name="组 13"/>
+          <p:cNvPr id="38" name="组 37"/>
           <p:cNvGrpSpPr/>
           <p:nvPr/>
         </p:nvGrpSpPr>
         <p:grpSpPr>
           <a:xfrm>
-            <a:off x="392703" y="2566220"/>
-            <a:ext cx="3609144" cy="1986678"/>
+            <a:off x="963447" y="2566221"/>
+            <a:ext cx="3609144" cy="1986679"/>
             <a:chOff x="1420265" y="1572881"/>
             <a:chExt cx="5382317" cy="2889101"/>
           </a:xfrm>
         </p:grpSpPr>
         <p:sp>
           <p:nvSpPr>
-            <p:cNvPr id="15" name="圆角矩形 14"/>
+            <p:cNvPr id="39" name="圆角矩形 38"/>
             <p:cNvSpPr/>
             <p:nvPr/>
           </p:nvSpPr>
@@ -3421,7 +3424,7 @@
         </p:sp>
         <p:sp>
           <p:nvSpPr>
-            <p:cNvPr id="16" name="圆角矩形 15"/>
+            <p:cNvPr id="40" name="圆角矩形 39"/>
             <p:cNvSpPr/>
             <p:nvPr/>
           </p:nvSpPr>
@@ -3463,7 +3466,7 @@
         </p:sp>
         <p:sp>
           <p:nvSpPr>
-            <p:cNvPr id="17" name="圆角矩形 16"/>
+            <p:cNvPr id="41" name="圆角矩形 40"/>
             <p:cNvSpPr/>
             <p:nvPr/>
           </p:nvSpPr>
@@ -3505,10 +3508,10 @@
         </p:sp>
         <p:cxnSp>
           <p:nvCxnSpPr>
-            <p:cNvPr id="18" name="直线箭头连接符 17"/>
+            <p:cNvPr id="42" name="直线箭头连接符 41"/>
             <p:cNvCxnSpPr>
-              <a:stCxn id="17" idx="2"/>
-              <a:endCxn id="15" idx="0"/>
+              <a:stCxn id="41" idx="2"/>
+              <a:endCxn id="39" idx="0"/>
             </p:cNvCxnSpPr>
             <p:nvPr/>
           </p:nvCxnSpPr>
@@ -3545,10 +3548,10 @@
         </p:cxnSp>
         <p:cxnSp>
           <p:nvCxnSpPr>
-            <p:cNvPr id="19" name="直线箭头连接符 18"/>
+            <p:cNvPr id="43" name="直线箭头连接符 42"/>
             <p:cNvCxnSpPr>
-              <a:stCxn id="15" idx="3"/>
-              <a:endCxn id="16" idx="1"/>
+              <a:stCxn id="39" idx="3"/>
+              <a:endCxn id="40" idx="1"/>
             </p:cNvCxnSpPr>
             <p:nvPr/>
           </p:nvCxnSpPr>
@@ -3586,21 +3589,21 @@
       </p:grpSp>
       <p:grpSp>
         <p:nvGrpSpPr>
-          <p:cNvPr id="21" name="组 20"/>
+          <p:cNvPr id="44" name="组 43"/>
           <p:cNvGrpSpPr/>
           <p:nvPr/>
         </p:nvGrpSpPr>
         <p:grpSpPr>
           <a:xfrm>
-            <a:off x="834215" y="4705298"/>
-            <a:ext cx="3609144" cy="1986678"/>
+            <a:off x="8989449" y="2589199"/>
+            <a:ext cx="3609144" cy="1986679"/>
             <a:chOff x="1420265" y="1572881"/>
             <a:chExt cx="5382317" cy="2889101"/>
           </a:xfrm>
         </p:grpSpPr>
         <p:sp>
           <p:nvSpPr>
-            <p:cNvPr id="22" name="圆角矩形 21"/>
+            <p:cNvPr id="45" name="圆角矩形 44"/>
             <p:cNvSpPr/>
             <p:nvPr/>
           </p:nvSpPr>
@@ -3649,7 +3652,7 @@
         </p:sp>
         <p:sp>
           <p:nvSpPr>
-            <p:cNvPr id="23" name="圆角矩形 22"/>
+            <p:cNvPr id="46" name="圆角矩形 45"/>
             <p:cNvSpPr/>
             <p:nvPr/>
           </p:nvSpPr>
@@ -3691,7 +3694,7 @@
         </p:sp>
         <p:sp>
           <p:nvSpPr>
-            <p:cNvPr id="24" name="圆角矩形 23"/>
+            <p:cNvPr id="47" name="圆角矩形 46"/>
             <p:cNvSpPr/>
             <p:nvPr/>
           </p:nvSpPr>
@@ -3733,10 +3736,10 @@
         </p:sp>
         <p:cxnSp>
           <p:nvCxnSpPr>
-            <p:cNvPr id="25" name="直线箭头连接符 24"/>
+            <p:cNvPr id="48" name="直线箭头连接符 47"/>
             <p:cNvCxnSpPr>
-              <a:stCxn id="24" idx="2"/>
-              <a:endCxn id="22" idx="0"/>
+              <a:stCxn id="47" idx="2"/>
+              <a:endCxn id="45" idx="0"/>
             </p:cNvCxnSpPr>
             <p:nvPr/>
           </p:nvCxnSpPr>
@@ -3748,7 +3751,10 @@
             <a:prstGeom prst="straightConnector1">
               <a:avLst/>
             </a:prstGeom>
-            <a:ln>
+            <a:ln w="57150" cmpd="sng">
+              <a:solidFill>
+                <a:srgbClr val="FF0000"/>
+              </a:solidFill>
               <a:prstDash val="sysDash"/>
               <a:tailEnd type="arrow"/>
             </a:ln>
@@ -3770,7 +3776,7 @@
         </p:cxnSp>
         <p:cxnSp>
           <p:nvCxnSpPr>
-            <p:cNvPr id="26" name="直线箭头连接符 25"/>
+            <p:cNvPr id="49" name="直线箭头连接符 48"/>
             <p:cNvCxnSpPr/>
             <p:nvPr/>
           </p:nvCxnSpPr>
@@ -3782,7 +3788,10 @@
             <a:prstGeom prst="straightConnector1">
               <a:avLst/>
             </a:prstGeom>
-            <a:ln>
+            <a:ln w="57150" cmpd="sng">
+              <a:solidFill>
+                <a:srgbClr val="FF0000"/>
+              </a:solidFill>
               <a:tailEnd type="arrow"/>
             </a:ln>
           </p:spPr>
@@ -3803,9 +3812,9 @@
         </p:cxnSp>
         <p:cxnSp>
           <p:nvCxnSpPr>
-            <p:cNvPr id="27" name="直线箭头连接符 26"/>
+            <p:cNvPr id="50" name="直线箭头连接符 49"/>
             <p:cNvCxnSpPr>
-              <a:stCxn id="23" idx="0"/>
+              <a:stCxn id="46" idx="0"/>
             </p:cNvCxnSpPr>
             <p:nvPr/>
           </p:nvCxnSpPr>
@@ -3817,7 +3826,10 @@
             <a:prstGeom prst="straightConnector1">
               <a:avLst/>
             </a:prstGeom>
-            <a:ln>
+            <a:ln w="57150" cmpd="sng">
+              <a:solidFill>
+                <a:srgbClr val="008000"/>
+              </a:solidFill>
               <a:prstDash val="sysDash"/>
               <a:tailEnd type="arrow"/>
             </a:ln>
@@ -3840,19 +3852,22 @@
       </p:grpSp>
       <p:cxnSp>
         <p:nvCxnSpPr>
-          <p:cNvPr id="28" name="直线箭头连接符 27"/>
+          <p:cNvPr id="51" name="直线箭头连接符 50"/>
           <p:cNvCxnSpPr/>
           <p:nvPr/>
         </p:nvCxnSpPr>
         <p:spPr>
           <a:xfrm>
-            <a:off x="2023892" y="6238507"/>
+            <a:off x="10179128" y="4122408"/>
             <a:ext cx="1233829" cy="0"/>
           </a:xfrm>
           <a:prstGeom prst="straightConnector1">
             <a:avLst/>
           </a:prstGeom>
-          <a:ln>
+          <a:ln w="57150" cmpd="sng">
+            <a:solidFill>
+              <a:srgbClr val="008000"/>
+            </a:solidFill>
             <a:headEnd type="arrow"/>
             <a:tailEnd type="none"/>
           </a:ln>
@@ -3872,6 +3887,151 @@
           </a:fontRef>
         </p:style>
       </p:cxnSp>
+      <p:cxnSp>
+        <p:nvCxnSpPr>
+          <p:cNvPr id="52" name="直线箭头连接符 51"/>
+          <p:cNvCxnSpPr/>
+          <p:nvPr/>
+        </p:nvCxnSpPr>
+        <p:spPr>
+          <a:xfrm flipH="1">
+            <a:off x="1172969" y="3209752"/>
+            <a:ext cx="1187658" cy="699617"/>
+          </a:xfrm>
+          <a:prstGeom prst="straightConnector1">
+            <a:avLst/>
+          </a:prstGeom>
+          <a:ln w="57150" cmpd="sng">
+            <a:solidFill>
+              <a:srgbClr val="FF0000"/>
+            </a:solidFill>
+            <a:prstDash val="sysDash"/>
+            <a:tailEnd type="arrow"/>
+          </a:ln>
+        </p:spPr>
+        <p:style>
+          <a:lnRef idx="2">
+            <a:schemeClr val="accent1"/>
+          </a:lnRef>
+          <a:fillRef idx="0">
+            <a:schemeClr val="accent1"/>
+          </a:fillRef>
+          <a:effectRef idx="1">
+            <a:schemeClr val="accent1"/>
+          </a:effectRef>
+          <a:fontRef idx="minor">
+            <a:schemeClr val="tx1"/>
+          </a:fontRef>
+        </p:style>
+      </p:cxnSp>
+      <p:sp>
+        <p:nvSpPr>
+          <p:cNvPr id="3" name="文本框 2"/>
+          <p:cNvSpPr txBox="1"/>
+          <p:nvPr/>
+        </p:nvSpPr>
+        <p:spPr>
+          <a:xfrm>
+            <a:off x="2382525" y="4850915"/>
+            <a:ext cx="623513" cy="523220"/>
+          </a:xfrm>
+          <a:prstGeom prst="rect">
+            <a:avLst/>
+          </a:prstGeom>
+          <a:noFill/>
+        </p:spPr>
+        <p:txBody>
+          <a:bodyPr wrap="none" rtlCol="0">
+            <a:spAutoFit/>
+          </a:bodyPr>
+          <a:lstStyle/>
+          <a:p>
+            <a:r>
+              <a:rPr kumimoji="1" lang="en-US" altLang="zh-CN" sz="2800" b="1" dirty="0" smtClean="0">
+                <a:latin typeface="Arial"/>
+                <a:cs typeface="Arial"/>
+              </a:rPr>
+              <a:t>(a)</a:t>
+            </a:r>
+            <a:endParaRPr kumimoji="1" lang="zh-CN" altLang="en-US" sz="2800" b="1" dirty="0">
+              <a:latin typeface="Arial"/>
+              <a:cs typeface="Arial"/>
+            </a:endParaRPr>
+          </a:p>
+        </p:txBody>
+      </p:sp>
+      <p:sp>
+        <p:nvSpPr>
+          <p:cNvPr id="54" name="文本框 53"/>
+          <p:cNvSpPr txBox="1"/>
+          <p:nvPr/>
+        </p:nvSpPr>
+        <p:spPr>
+          <a:xfrm>
+            <a:off x="6534338" y="4850915"/>
+            <a:ext cx="643150" cy="523220"/>
+          </a:xfrm>
+          <a:prstGeom prst="rect">
+            <a:avLst/>
+          </a:prstGeom>
+          <a:noFill/>
+        </p:spPr>
+        <p:txBody>
+          <a:bodyPr wrap="none" rtlCol="0">
+            <a:spAutoFit/>
+          </a:bodyPr>
+          <a:lstStyle/>
+          <a:p>
+            <a:r>
+              <a:rPr kumimoji="1" lang="en-US" altLang="zh-CN" sz="2800" b="1" dirty="0" smtClean="0">
+                <a:latin typeface="Arial"/>
+                <a:cs typeface="Arial"/>
+              </a:rPr>
+              <a:t>(b)</a:t>
+            </a:r>
+            <a:endParaRPr kumimoji="1" lang="zh-CN" altLang="en-US" sz="2800" b="1" dirty="0">
+              <a:latin typeface="Arial"/>
+              <a:cs typeface="Arial"/>
+            </a:endParaRPr>
+          </a:p>
+        </p:txBody>
+      </p:sp>
+      <p:sp>
+        <p:nvSpPr>
+          <p:cNvPr id="55" name="文本框 54"/>
+          <p:cNvSpPr txBox="1"/>
+          <p:nvPr/>
+        </p:nvSpPr>
+        <p:spPr>
+          <a:xfrm>
+            <a:off x="10705789" y="4850915"/>
+            <a:ext cx="623513" cy="523220"/>
+          </a:xfrm>
+          <a:prstGeom prst="rect">
+            <a:avLst/>
+          </a:prstGeom>
+          <a:noFill/>
+        </p:spPr>
+        <p:txBody>
+          <a:bodyPr wrap="none" rtlCol="0">
+            <a:spAutoFit/>
+          </a:bodyPr>
+          <a:lstStyle/>
+          <a:p>
+            <a:r>
+              <a:rPr kumimoji="1" lang="en-US" altLang="zh-CN" sz="2800" b="1" dirty="0" smtClean="0">
+                <a:latin typeface="Arial"/>
+                <a:cs typeface="Arial"/>
+              </a:rPr>
+              <a:t>(c)</a:t>
+            </a:r>
+            <a:endParaRPr kumimoji="1" lang="zh-CN" altLang="en-US" sz="2800" b="1" dirty="0">
+              <a:latin typeface="Arial"/>
+              <a:cs typeface="Arial"/>
+            </a:endParaRPr>
+          </a:p>
+        </p:txBody>
+      </p:sp>
     </p:spTree>
     <p:extLst>
       <p:ext uri="{BB962C8B-B14F-4D97-AF65-F5344CB8AC3E}">

--- a/figs/closed-loop.pptx
+++ b/figs/closed-loop.pptx
@@ -104,6 +104,22 @@
       </a:defRPr>
     </a:lvl9pPr>
   </p:defaultTextStyle>
+  <p:extLst>
+    <p:ext uri="{EFAFB233-063F-42B5-8137-9DF3F51BA10A}">
+      <p15:sldGuideLst xmlns:p15="http://schemas.microsoft.com/office/powerpoint/2012/main">
+        <p15:guide id="1" orient="horz" pos="2160">
+          <p15:clr>
+            <a:srgbClr val="A4A3A4"/>
+          </p15:clr>
+        </p15:guide>
+        <p15:guide id="2" pos="4320">
+          <p15:clr>
+            <a:srgbClr val="A4A3A4"/>
+          </p15:clr>
+        </p15:guide>
+      </p15:sldGuideLst>
+    </p:ext>
+  </p:extLst>
 </p:presentation>
 </file>
 
@@ -288,7 +304,7 @@
           <a:p>
             <a:fld id="{E9EB3E5B-3A48-BE41-BA18-533F6FCB141B}" type="datetimeFigureOut">
               <a:rPr kumimoji="1" lang="zh-CN" altLang="en-US" smtClean="0"/>
-              <a:t>7/27/15</a:t>
+              <a:t>2015/7/27</a:t>
             </a:fld>
             <a:endParaRPr kumimoji="1" lang="zh-CN" altLang="en-US"/>
           </a:p>
@@ -458,7 +474,7 @@
           <a:p>
             <a:fld id="{E9EB3E5B-3A48-BE41-BA18-533F6FCB141B}" type="datetimeFigureOut">
               <a:rPr kumimoji="1" lang="zh-CN" altLang="en-US" smtClean="0"/>
-              <a:t>7/27/15</a:t>
+              <a:t>2015/7/27</a:t>
             </a:fld>
             <a:endParaRPr kumimoji="1" lang="zh-CN" altLang="en-US"/>
           </a:p>
@@ -638,7 +654,7 @@
           <a:p>
             <a:fld id="{E9EB3E5B-3A48-BE41-BA18-533F6FCB141B}" type="datetimeFigureOut">
               <a:rPr kumimoji="1" lang="zh-CN" altLang="en-US" smtClean="0"/>
-              <a:t>7/27/15</a:t>
+              <a:t>2015/7/27</a:t>
             </a:fld>
             <a:endParaRPr kumimoji="1" lang="zh-CN" altLang="en-US"/>
           </a:p>
@@ -808,7 +824,7 @@
           <a:p>
             <a:fld id="{E9EB3E5B-3A48-BE41-BA18-533F6FCB141B}" type="datetimeFigureOut">
               <a:rPr kumimoji="1" lang="zh-CN" altLang="en-US" smtClean="0"/>
-              <a:t>7/27/15</a:t>
+              <a:t>2015/7/27</a:t>
             </a:fld>
             <a:endParaRPr kumimoji="1" lang="zh-CN" altLang="en-US"/>
           </a:p>
@@ -1054,7 +1070,7 @@
           <a:p>
             <a:fld id="{E9EB3E5B-3A48-BE41-BA18-533F6FCB141B}" type="datetimeFigureOut">
               <a:rPr kumimoji="1" lang="zh-CN" altLang="en-US" smtClean="0"/>
-              <a:t>7/27/15</a:t>
+              <a:t>2015/7/27</a:t>
             </a:fld>
             <a:endParaRPr kumimoji="1" lang="zh-CN" altLang="en-US"/>
           </a:p>
@@ -1342,7 +1358,7 @@
           <a:p>
             <a:fld id="{E9EB3E5B-3A48-BE41-BA18-533F6FCB141B}" type="datetimeFigureOut">
               <a:rPr kumimoji="1" lang="zh-CN" altLang="en-US" smtClean="0"/>
-              <a:t>7/27/15</a:t>
+              <a:t>2015/7/27</a:t>
             </a:fld>
             <a:endParaRPr kumimoji="1" lang="zh-CN" altLang="en-US"/>
           </a:p>
@@ -1764,7 +1780,7 @@
           <a:p>
             <a:fld id="{E9EB3E5B-3A48-BE41-BA18-533F6FCB141B}" type="datetimeFigureOut">
               <a:rPr kumimoji="1" lang="zh-CN" altLang="en-US" smtClean="0"/>
-              <a:t>7/27/15</a:t>
+              <a:t>2015/7/27</a:t>
             </a:fld>
             <a:endParaRPr kumimoji="1" lang="zh-CN" altLang="en-US"/>
           </a:p>
@@ -1882,7 +1898,7 @@
           <a:p>
             <a:fld id="{E9EB3E5B-3A48-BE41-BA18-533F6FCB141B}" type="datetimeFigureOut">
               <a:rPr kumimoji="1" lang="zh-CN" altLang="en-US" smtClean="0"/>
-              <a:t>7/27/15</a:t>
+              <a:t>2015/7/27</a:t>
             </a:fld>
             <a:endParaRPr kumimoji="1" lang="zh-CN" altLang="en-US"/>
           </a:p>
@@ -1977,7 +1993,7 @@
           <a:p>
             <a:fld id="{E9EB3E5B-3A48-BE41-BA18-533F6FCB141B}" type="datetimeFigureOut">
               <a:rPr kumimoji="1" lang="zh-CN" altLang="en-US" smtClean="0"/>
-              <a:t>7/27/15</a:t>
+              <a:t>2015/7/27</a:t>
             </a:fld>
             <a:endParaRPr kumimoji="1" lang="zh-CN" altLang="en-US"/>
           </a:p>
@@ -2254,7 +2270,7 @@
           <a:p>
             <a:fld id="{E9EB3E5B-3A48-BE41-BA18-533F6FCB141B}" type="datetimeFigureOut">
               <a:rPr kumimoji="1" lang="zh-CN" altLang="en-US" smtClean="0"/>
-              <a:t>7/27/15</a:t>
+              <a:t>2015/7/27</a:t>
             </a:fld>
             <a:endParaRPr kumimoji="1" lang="zh-CN" altLang="en-US"/>
           </a:p>
@@ -2507,7 +2523,7 @@
           <a:p>
             <a:fld id="{E9EB3E5B-3A48-BE41-BA18-533F6FCB141B}" type="datetimeFigureOut">
               <a:rPr kumimoji="1" lang="zh-CN" altLang="en-US" smtClean="0"/>
-              <a:t>7/27/15</a:t>
+              <a:t>2015/7/27</a:t>
             </a:fld>
             <a:endParaRPr kumimoji="1" lang="zh-CN" altLang="en-US"/>
           </a:p>
@@ -2720,7 +2736,7 @@
           <a:p>
             <a:fld id="{E9EB3E5B-3A48-BE41-BA18-533F6FCB141B}" type="datetimeFigureOut">
               <a:rPr kumimoji="1" lang="zh-CN" altLang="en-US" smtClean="0"/>
-              <a:t>7/27/15</a:t>
+              <a:t>2015/7/27</a:t>
             </a:fld>
             <a:endParaRPr kumimoji="1" lang="zh-CN" altLang="en-US"/>
           </a:p>
@@ -3104,9 +3120,9 @@
         <p:grpSpPr>
           <a:xfrm>
             <a:off x="5002395" y="2566221"/>
-            <a:ext cx="3609144" cy="1986679"/>
+            <a:ext cx="2986147" cy="1986679"/>
             <a:chOff x="1420265" y="1572881"/>
-            <a:chExt cx="5382317" cy="2889101"/>
+            <a:chExt cx="4453243" cy="2889101"/>
           </a:xfrm>
         </p:grpSpPr>
         <p:sp>
@@ -3144,17 +3160,29 @@
             <a:p>
               <a:pPr algn="ctr"/>
               <a:r>
-                <a:rPr kumimoji="1" lang="en-US" altLang="zh-CN" dirty="0" smtClean="0"/>
+                <a:rPr kumimoji="1" lang="en-US" altLang="zh-CN" dirty="0" smtClean="0">
+                  <a:solidFill>
+                    <a:schemeClr val="tx1"/>
+                  </a:solidFill>
+                </a:rPr>
                 <a:t>Medical</a:t>
               </a:r>
             </a:p>
             <a:p>
               <a:pPr algn="ctr"/>
               <a:r>
-                <a:rPr kumimoji="1" lang="en-US" altLang="zh-CN" dirty="0" smtClean="0"/>
+                <a:rPr kumimoji="1" lang="en-US" altLang="zh-CN" dirty="0" smtClean="0">
+                  <a:solidFill>
+                    <a:schemeClr val="tx1"/>
+                  </a:solidFill>
+                </a:rPr>
                 <a:t>Device</a:t>
               </a:r>
-              <a:endParaRPr kumimoji="1" lang="zh-CN" altLang="en-US" dirty="0"/>
+              <a:endParaRPr kumimoji="1" lang="zh-CN" altLang="en-US" dirty="0">
+                <a:solidFill>
+                  <a:schemeClr val="tx1"/>
+                </a:solidFill>
+              </a:endParaRPr>
             </a:p>
           </p:txBody>
         </p:sp>
@@ -3166,8 +3194,8 @@
           </p:nvSpPr>
           <p:spPr>
             <a:xfrm>
-              <a:off x="5031428" y="3526136"/>
-              <a:ext cx="1771154" cy="935846"/>
+              <a:off x="4102353" y="3526136"/>
+              <a:ext cx="1771155" cy="935846"/>
             </a:xfrm>
             <a:prstGeom prst="roundRect">
               <a:avLst/>
@@ -3193,10 +3221,18 @@
             <a:p>
               <a:pPr algn="ctr"/>
               <a:r>
-                <a:rPr kumimoji="1" lang="en-US" altLang="zh-CN" dirty="0" smtClean="0"/>
+                <a:rPr kumimoji="1" lang="en-US" altLang="zh-CN" dirty="0" smtClean="0">
+                  <a:solidFill>
+                    <a:schemeClr val="tx1"/>
+                  </a:solidFill>
+                </a:rPr>
                 <a:t>Patient</a:t>
               </a:r>
-              <a:endParaRPr kumimoji="1" lang="zh-CN" altLang="en-US" dirty="0"/>
+              <a:endParaRPr kumimoji="1" lang="zh-CN" altLang="en-US" dirty="0">
+                <a:solidFill>
+                  <a:schemeClr val="tx1"/>
+                </a:solidFill>
+              </a:endParaRPr>
             </a:p>
           </p:txBody>
         </p:sp>
@@ -3208,7 +3244,7 @@
           </p:nvSpPr>
           <p:spPr>
             <a:xfrm>
-              <a:off x="3191419" y="1572881"/>
+              <a:off x="2741865" y="1572881"/>
               <a:ext cx="1771154" cy="935846"/>
             </a:xfrm>
             <a:prstGeom prst="roundRect">
@@ -3235,10 +3271,18 @@
             <a:p>
               <a:pPr algn="ctr"/>
               <a:r>
-                <a:rPr kumimoji="1" lang="en-US" altLang="zh-CN" dirty="0" smtClean="0"/>
+                <a:rPr kumimoji="1" lang="en-US" altLang="zh-CN" dirty="0" smtClean="0">
+                  <a:solidFill>
+                    <a:schemeClr val="tx1"/>
+                  </a:solidFill>
+                </a:rPr>
                 <a:t>Physician</a:t>
               </a:r>
-              <a:endParaRPr kumimoji="1" lang="zh-CN" altLang="en-US" dirty="0"/>
+              <a:endParaRPr kumimoji="1" lang="zh-CN" altLang="en-US" dirty="0">
+                <a:solidFill>
+                  <a:schemeClr val="tx1"/>
+                </a:solidFill>
+              </a:endParaRPr>
             </a:p>
           </p:txBody>
         </p:sp>
@@ -3253,15 +3297,15 @@
           </p:nvCxnSpPr>
           <p:spPr>
             <a:xfrm flipH="1">
-              <a:off x="2305842" y="2508727"/>
-              <a:ext cx="1771154" cy="1017409"/>
+              <a:off x="2305843" y="2508727"/>
+              <a:ext cx="1321600" cy="1017409"/>
             </a:xfrm>
             <a:prstGeom prst="straightConnector1">
               <a:avLst/>
             </a:prstGeom>
-            <a:ln w="57150" cmpd="sng">
+            <a:ln w="38100" cmpd="sng">
               <a:solidFill>
-                <a:srgbClr val="FF0000"/>
+                <a:srgbClr val="0070C0"/>
               </a:solidFill>
               <a:tailEnd type="arrow"/>
             </a:ln>
@@ -3292,13 +3336,13 @@
           </p:nvCxnSpPr>
           <p:spPr>
             <a:xfrm>
-              <a:off x="3191419" y="3994059"/>
-              <a:ext cx="1840009" cy="0"/>
+              <a:off x="3191419" y="3994060"/>
+              <a:ext cx="910934" cy="0"/>
             </a:xfrm>
             <a:prstGeom prst="straightConnector1">
               <a:avLst/>
             </a:prstGeom>
-            <a:ln w="57150" cmpd="sng">
+            <a:ln w="38100" cmpd="sng">
               <a:solidFill>
                 <a:srgbClr val="FF0000"/>
               </a:solidFill>
@@ -3325,18 +3369,19 @@
             <p:cNvPr id="37" name="直线箭头连接符 36"/>
             <p:cNvCxnSpPr>
               <a:stCxn id="33" idx="0"/>
+              <a:endCxn id="34" idx="2"/>
             </p:cNvCxnSpPr>
             <p:nvPr/>
           </p:nvCxnSpPr>
           <p:spPr>
             <a:xfrm flipH="1" flipV="1">
-              <a:off x="4076996" y="2508727"/>
-              <a:ext cx="1840009" cy="1017409"/>
+              <a:off x="3627442" y="2508727"/>
+              <a:ext cx="1360488" cy="1017409"/>
             </a:xfrm>
             <a:prstGeom prst="straightConnector1">
               <a:avLst/>
             </a:prstGeom>
-            <a:ln w="57150" cmpd="sng">
+            <a:ln w="38100" cmpd="sng">
               <a:solidFill>
                 <a:srgbClr val="008000"/>
               </a:solidFill>
@@ -3367,10 +3412,10 @@
         </p:nvGrpSpPr>
         <p:grpSpPr>
           <a:xfrm>
-            <a:off x="963447" y="2566221"/>
-            <a:ext cx="3609144" cy="1986679"/>
-            <a:chOff x="1420265" y="1572881"/>
-            <a:chExt cx="5382317" cy="2889101"/>
+            <a:off x="1707020" y="2566221"/>
+            <a:ext cx="3076585" cy="1986679"/>
+            <a:chOff x="2019671" y="1572881"/>
+            <a:chExt cx="4588106" cy="2889101"/>
           </a:xfrm>
         </p:grpSpPr>
         <p:sp>
@@ -3381,8 +3426,8 @@
           </p:nvSpPr>
           <p:spPr>
             <a:xfrm>
-              <a:off x="1420265" y="3526136"/>
-              <a:ext cx="1771154" cy="935846"/>
+              <a:off x="2019671" y="3526136"/>
+              <a:ext cx="1771153" cy="935846"/>
             </a:xfrm>
             <a:prstGeom prst="roundRect">
               <a:avLst/>
@@ -3408,17 +3453,29 @@
             <a:p>
               <a:pPr algn="ctr"/>
               <a:r>
-                <a:rPr kumimoji="1" lang="en-US" altLang="zh-CN" dirty="0" smtClean="0"/>
+                <a:rPr kumimoji="1" lang="en-US" altLang="zh-CN" dirty="0" smtClean="0">
+                  <a:solidFill>
+                    <a:schemeClr val="tx1"/>
+                  </a:solidFill>
+                </a:rPr>
                 <a:t>Medical</a:t>
               </a:r>
             </a:p>
             <a:p>
               <a:pPr algn="ctr"/>
               <a:r>
-                <a:rPr kumimoji="1" lang="en-US" altLang="zh-CN" dirty="0" smtClean="0"/>
+                <a:rPr kumimoji="1" lang="en-US" altLang="zh-CN" dirty="0" smtClean="0">
+                  <a:solidFill>
+                    <a:schemeClr val="tx1"/>
+                  </a:solidFill>
+                </a:rPr>
                 <a:t>Device</a:t>
               </a:r>
-              <a:endParaRPr kumimoji="1" lang="zh-CN" altLang="en-US" dirty="0"/>
+              <a:endParaRPr kumimoji="1" lang="zh-CN" altLang="en-US" dirty="0">
+                <a:solidFill>
+                  <a:schemeClr val="tx1"/>
+                </a:solidFill>
+              </a:endParaRPr>
             </a:p>
           </p:txBody>
         </p:sp>
@@ -3430,7 +3487,7 @@
           </p:nvSpPr>
           <p:spPr>
             <a:xfrm>
-              <a:off x="5031428" y="3526136"/>
+              <a:off x="4836623" y="3526136"/>
               <a:ext cx="1771154" cy="935846"/>
             </a:xfrm>
             <a:prstGeom prst="roundRect">
@@ -3457,10 +3514,18 @@
             <a:p>
               <a:pPr algn="ctr"/>
               <a:r>
-                <a:rPr kumimoji="1" lang="en-US" altLang="zh-CN" dirty="0" smtClean="0"/>
+                <a:rPr kumimoji="1" lang="en-US" altLang="zh-CN" dirty="0" smtClean="0">
+                  <a:solidFill>
+                    <a:schemeClr val="tx1"/>
+                  </a:solidFill>
+                </a:rPr>
                 <a:t>Patient</a:t>
               </a:r>
-              <a:endParaRPr kumimoji="1" lang="zh-CN" altLang="en-US" dirty="0"/>
+              <a:endParaRPr kumimoji="1" lang="zh-CN" altLang="en-US" dirty="0">
+                <a:solidFill>
+                  <a:schemeClr val="tx1"/>
+                </a:solidFill>
+              </a:endParaRPr>
             </a:p>
           </p:txBody>
         </p:sp>
@@ -3472,7 +3537,7 @@
           </p:nvSpPr>
           <p:spPr>
             <a:xfrm>
-              <a:off x="3191419" y="1572881"/>
+              <a:off x="3506105" y="1572881"/>
               <a:ext cx="1771154" cy="935846"/>
             </a:xfrm>
             <a:prstGeom prst="roundRect">
@@ -3499,10 +3564,18 @@
             <a:p>
               <a:pPr algn="ctr"/>
               <a:r>
-                <a:rPr kumimoji="1" lang="en-US" altLang="zh-CN" dirty="0" smtClean="0"/>
+                <a:rPr kumimoji="1" lang="en-US" altLang="zh-CN" dirty="0" smtClean="0">
+                  <a:solidFill>
+                    <a:schemeClr val="tx1"/>
+                  </a:solidFill>
+                </a:rPr>
                 <a:t>Physician</a:t>
               </a:r>
-              <a:endParaRPr kumimoji="1" lang="zh-CN" altLang="en-US" dirty="0"/>
+              <a:endParaRPr kumimoji="1" lang="zh-CN" altLang="en-US" dirty="0">
+                <a:solidFill>
+                  <a:schemeClr val="tx1"/>
+                </a:solidFill>
+              </a:endParaRPr>
             </a:p>
           </p:txBody>
         </p:sp>
@@ -3517,13 +3590,13 @@
           </p:nvCxnSpPr>
           <p:spPr>
             <a:xfrm flipH="1">
-              <a:off x="2305842" y="2508727"/>
-              <a:ext cx="1771154" cy="1017409"/>
+              <a:off x="2905247" y="2508727"/>
+              <a:ext cx="1486435" cy="1017409"/>
             </a:xfrm>
             <a:prstGeom prst="straightConnector1">
               <a:avLst/>
             </a:prstGeom>
-            <a:ln w="57150" cmpd="sng">
+            <a:ln w="38100" cmpd="sng">
               <a:solidFill>
                 <a:srgbClr val="008000"/>
               </a:solidFill>
@@ -3557,13 +3630,13 @@
           </p:nvCxnSpPr>
           <p:spPr>
             <a:xfrm>
-              <a:off x="3191419" y="3994059"/>
-              <a:ext cx="1840009" cy="0"/>
+              <a:off x="3790823" y="3994060"/>
+              <a:ext cx="1045800" cy="0"/>
             </a:xfrm>
             <a:prstGeom prst="straightConnector1">
               <a:avLst/>
             </a:prstGeom>
-            <a:ln w="57150" cmpd="sng">
+            <a:ln w="38100" cmpd="sng">
               <a:solidFill>
                 <a:srgbClr val="008000"/>
               </a:solidFill>
@@ -3595,10 +3668,10 @@
         </p:nvGrpSpPr>
         <p:grpSpPr>
           <a:xfrm>
-            <a:off x="8989449" y="2589199"/>
-            <a:ext cx="3609144" cy="1986679"/>
+            <a:off x="8265974" y="2589199"/>
+            <a:ext cx="3126825" cy="1986679"/>
             <a:chOff x="1420265" y="1572881"/>
-            <a:chExt cx="5382317" cy="2889101"/>
+            <a:chExt cx="4663036" cy="2889101"/>
           </a:xfrm>
         </p:grpSpPr>
         <p:sp>
@@ -3636,17 +3709,29 @@
             <a:p>
               <a:pPr algn="ctr"/>
               <a:r>
-                <a:rPr kumimoji="1" lang="en-US" altLang="zh-CN" dirty="0" smtClean="0"/>
+                <a:rPr kumimoji="1" lang="en-US" altLang="zh-CN" dirty="0" smtClean="0">
+                  <a:solidFill>
+                    <a:schemeClr val="tx1"/>
+                  </a:solidFill>
+                </a:rPr>
                 <a:t>Medical</a:t>
               </a:r>
             </a:p>
             <a:p>
               <a:pPr algn="ctr"/>
               <a:r>
-                <a:rPr kumimoji="1" lang="en-US" altLang="zh-CN" dirty="0" smtClean="0"/>
+                <a:rPr kumimoji="1" lang="en-US" altLang="zh-CN" dirty="0" smtClean="0">
+                  <a:solidFill>
+                    <a:schemeClr val="tx1"/>
+                  </a:solidFill>
+                </a:rPr>
                 <a:t>Device</a:t>
               </a:r>
-              <a:endParaRPr kumimoji="1" lang="zh-CN" altLang="en-US" dirty="0"/>
+              <a:endParaRPr kumimoji="1" lang="zh-CN" altLang="en-US" dirty="0">
+                <a:solidFill>
+                  <a:schemeClr val="tx1"/>
+                </a:solidFill>
+              </a:endParaRPr>
             </a:p>
           </p:txBody>
         </p:sp>
@@ -3658,8 +3743,8 @@
           </p:nvSpPr>
           <p:spPr>
             <a:xfrm>
-              <a:off x="5031428" y="3526136"/>
-              <a:ext cx="1771154" cy="935846"/>
+              <a:off x="4312146" y="3526136"/>
+              <a:ext cx="1771155" cy="935846"/>
             </a:xfrm>
             <a:prstGeom prst="roundRect">
               <a:avLst/>
@@ -3685,10 +3770,18 @@
             <a:p>
               <a:pPr algn="ctr"/>
               <a:r>
-                <a:rPr kumimoji="1" lang="en-US" altLang="zh-CN" dirty="0" smtClean="0"/>
+                <a:rPr kumimoji="1" lang="en-US" altLang="zh-CN" dirty="0" smtClean="0">
+                  <a:solidFill>
+                    <a:schemeClr val="tx1"/>
+                  </a:solidFill>
+                </a:rPr>
                 <a:t>Patient</a:t>
               </a:r>
-              <a:endParaRPr kumimoji="1" lang="zh-CN" altLang="en-US" dirty="0"/>
+              <a:endParaRPr kumimoji="1" lang="zh-CN" altLang="en-US" dirty="0">
+                <a:solidFill>
+                  <a:schemeClr val="tx1"/>
+                </a:solidFill>
+              </a:endParaRPr>
             </a:p>
           </p:txBody>
         </p:sp>
@@ -3700,7 +3793,7 @@
           </p:nvSpPr>
           <p:spPr>
             <a:xfrm>
-              <a:off x="3191419" y="1572881"/>
+              <a:off x="2876733" y="1572881"/>
               <a:ext cx="1771154" cy="935846"/>
             </a:xfrm>
             <a:prstGeom prst="roundRect">
@@ -3727,10 +3820,18 @@
             <a:p>
               <a:pPr algn="ctr"/>
               <a:r>
-                <a:rPr kumimoji="1" lang="en-US" altLang="zh-CN" dirty="0" smtClean="0"/>
+                <a:rPr kumimoji="1" lang="en-US" altLang="zh-CN" dirty="0" smtClean="0">
+                  <a:solidFill>
+                    <a:schemeClr val="tx1"/>
+                  </a:solidFill>
+                </a:rPr>
                 <a:t>Physician</a:t>
               </a:r>
-              <a:endParaRPr kumimoji="1" lang="zh-CN" altLang="en-US" dirty="0"/>
+              <a:endParaRPr kumimoji="1" lang="zh-CN" altLang="en-US" dirty="0">
+                <a:solidFill>
+                  <a:schemeClr val="tx1"/>
+                </a:solidFill>
+              </a:endParaRPr>
             </a:p>
           </p:txBody>
         </p:sp>
@@ -3745,15 +3846,15 @@
           </p:nvCxnSpPr>
           <p:spPr>
             <a:xfrm flipH="1">
-              <a:off x="2305842" y="2508727"/>
-              <a:ext cx="1771154" cy="1017409"/>
+              <a:off x="2305843" y="2508727"/>
+              <a:ext cx="1456468" cy="1017409"/>
             </a:xfrm>
             <a:prstGeom prst="straightConnector1">
               <a:avLst/>
             </a:prstGeom>
-            <a:ln w="57150" cmpd="sng">
+            <a:ln w="38100" cmpd="sng">
               <a:solidFill>
-                <a:srgbClr val="FF0000"/>
+                <a:srgbClr val="0070C0"/>
               </a:solidFill>
               <a:prstDash val="sysDash"/>
               <a:tailEnd type="arrow"/>
@@ -3782,13 +3883,13 @@
           </p:nvCxnSpPr>
           <p:spPr>
             <a:xfrm>
-              <a:off x="3191420" y="4188485"/>
-              <a:ext cx="1840009" cy="0"/>
+              <a:off x="3191420" y="4378443"/>
+              <a:ext cx="1120726" cy="0"/>
             </a:xfrm>
             <a:prstGeom prst="straightConnector1">
               <a:avLst/>
             </a:prstGeom>
-            <a:ln w="57150" cmpd="sng">
+            <a:ln w="38100" cmpd="sng">
               <a:solidFill>
                 <a:srgbClr val="FF0000"/>
               </a:solidFill>
@@ -3815,18 +3916,19 @@
             <p:cNvPr id="50" name="直线箭头连接符 49"/>
             <p:cNvCxnSpPr>
               <a:stCxn id="46" idx="0"/>
+              <a:endCxn id="47" idx="2"/>
             </p:cNvCxnSpPr>
             <p:nvPr/>
           </p:nvCxnSpPr>
           <p:spPr>
             <a:xfrm flipH="1" flipV="1">
-              <a:off x="4076996" y="2508727"/>
-              <a:ext cx="1840009" cy="1017409"/>
+              <a:off x="3762311" y="2508727"/>
+              <a:ext cx="1435413" cy="1017409"/>
             </a:xfrm>
             <a:prstGeom prst="straightConnector1">
               <a:avLst/>
             </a:prstGeom>
-            <a:ln w="57150" cmpd="sng">
+            <a:ln w="38100" cmpd="sng">
               <a:solidFill>
                 <a:srgbClr val="008000"/>
               </a:solidFill>
@@ -3858,13 +3960,13 @@
         </p:nvCxnSpPr>
         <p:spPr>
           <a:xfrm>
-            <a:off x="10179128" y="4122408"/>
-            <a:ext cx="1233829" cy="0"/>
+            <a:off x="9455653" y="4011879"/>
+            <a:ext cx="749488" cy="0"/>
           </a:xfrm>
           <a:prstGeom prst="straightConnector1">
             <a:avLst/>
           </a:prstGeom>
-          <a:ln w="57150" cmpd="sng">
+          <a:ln w="38100" cmpd="sng">
             <a:solidFill>
               <a:srgbClr val="008000"/>
             </a:solidFill>
@@ -3895,15 +3997,15 @@
         </p:nvCxnSpPr>
         <p:spPr>
           <a:xfrm flipH="1">
-            <a:off x="1172969" y="3209752"/>
-            <a:ext cx="1187658" cy="699617"/>
+            <a:off x="1999478" y="3221628"/>
+            <a:ext cx="928598" cy="659698"/>
           </a:xfrm>
           <a:prstGeom prst="straightConnector1">
             <a:avLst/>
           </a:prstGeom>
-          <a:ln w="57150" cmpd="sng">
+          <a:ln w="38100" cmpd="sng">
             <a:solidFill>
-              <a:srgbClr val="FF0000"/>
+              <a:srgbClr val="0070C0"/>
             </a:solidFill>
             <a:prstDash val="sysDash"/>
             <a:tailEnd type="arrow"/>
@@ -3932,7 +4034,7 @@
         </p:nvSpPr>
         <p:spPr>
           <a:xfrm>
-            <a:off x="2382525" y="4850915"/>
+            <a:off x="2382525" y="4589659"/>
             <a:ext cx="623513" cy="523220"/>
           </a:xfrm>
           <a:prstGeom prst="rect">
@@ -3968,7 +4070,7 @@
         </p:nvSpPr>
         <p:spPr>
           <a:xfrm>
-            <a:off x="6534338" y="4850915"/>
+            <a:off x="6182647" y="4589659"/>
             <a:ext cx="643150" cy="523220"/>
           </a:xfrm>
           <a:prstGeom prst="rect">
@@ -4004,7 +4106,7 @@
         </p:nvSpPr>
         <p:spPr>
           <a:xfrm>
-            <a:off x="10705789" y="4850915"/>
+            <a:off x="9600470" y="4589659"/>
             <a:ext cx="623513" cy="523220"/>
           </a:xfrm>
           <a:prstGeom prst="rect">
@@ -4032,6 +4134,667 @@
           </a:p>
         </p:txBody>
       </p:sp>
+      <p:sp>
+        <p:nvSpPr>
+          <p:cNvPr id="2" name="矩形 1"/>
+          <p:cNvSpPr/>
+          <p:nvPr/>
+        </p:nvSpPr>
+        <p:spPr>
+          <a:xfrm>
+            <a:off x="10721598" y="2602518"/>
+            <a:ext cx="1321474" cy="1055081"/>
+          </a:xfrm>
+          <a:prstGeom prst="rect">
+            <a:avLst/>
+          </a:prstGeom>
+          <a:noFill/>
+          <a:ln>
+            <a:solidFill>
+              <a:schemeClr val="tx1"/>
+            </a:solidFill>
+          </a:ln>
+        </p:spPr>
+        <p:style>
+          <a:lnRef idx="1">
+            <a:schemeClr val="accent1"/>
+          </a:lnRef>
+          <a:fillRef idx="3">
+            <a:schemeClr val="accent1"/>
+          </a:fillRef>
+          <a:effectRef idx="2">
+            <a:schemeClr val="accent1"/>
+          </a:effectRef>
+          <a:fontRef idx="minor">
+            <a:schemeClr val="lt1"/>
+          </a:fontRef>
+        </p:style>
+        <p:txBody>
+          <a:bodyPr rtlCol="0" anchor="ctr"/>
+          <a:lstStyle/>
+          <a:p>
+            <a:pPr algn="ctr"/>
+            <a:endParaRPr lang="en-US"/>
+          </a:p>
+        </p:txBody>
+      </p:sp>
+      <p:cxnSp>
+        <p:nvCxnSpPr>
+          <p:cNvPr id="5" name="直接箭头连接符 4"/>
+          <p:cNvCxnSpPr/>
+          <p:nvPr/>
+        </p:nvCxnSpPr>
+        <p:spPr>
+          <a:xfrm>
+            <a:off x="10806000" y="2719823"/>
+            <a:ext cx="482321" cy="0"/>
+          </a:xfrm>
+          <a:prstGeom prst="straightConnector1">
+            <a:avLst/>
+          </a:prstGeom>
+          <a:ln>
+            <a:solidFill>
+              <a:srgbClr val="FF0000"/>
+            </a:solidFill>
+            <a:tailEnd type="triangle"/>
+          </a:ln>
+        </p:spPr>
+        <p:style>
+          <a:lnRef idx="2">
+            <a:schemeClr val="accent1"/>
+          </a:lnRef>
+          <a:fillRef idx="0">
+            <a:schemeClr val="accent1"/>
+          </a:fillRef>
+          <a:effectRef idx="1">
+            <a:schemeClr val="accent1"/>
+          </a:effectRef>
+          <a:fontRef idx="minor">
+            <a:schemeClr val="tx1"/>
+          </a:fontRef>
+        </p:style>
+      </p:cxnSp>
+      <p:cxnSp>
+        <p:nvCxnSpPr>
+          <p:cNvPr id="30" name="直接箭头连接符 29"/>
+          <p:cNvCxnSpPr/>
+          <p:nvPr/>
+        </p:nvCxnSpPr>
+        <p:spPr>
+          <a:xfrm>
+            <a:off x="10816049" y="3021349"/>
+            <a:ext cx="482321" cy="0"/>
+          </a:xfrm>
+          <a:prstGeom prst="straightConnector1">
+            <a:avLst/>
+          </a:prstGeom>
+          <a:ln>
+            <a:solidFill>
+              <a:srgbClr val="00B050"/>
+            </a:solidFill>
+            <a:tailEnd type="triangle"/>
+          </a:ln>
+        </p:spPr>
+        <p:style>
+          <a:lnRef idx="2">
+            <a:schemeClr val="accent1"/>
+          </a:lnRef>
+          <a:fillRef idx="0">
+            <a:schemeClr val="accent1"/>
+          </a:fillRef>
+          <a:effectRef idx="1">
+            <a:schemeClr val="accent1"/>
+          </a:effectRef>
+          <a:fontRef idx="minor">
+            <a:schemeClr val="tx1"/>
+          </a:fontRef>
+        </p:style>
+      </p:cxnSp>
+      <p:sp>
+        <p:nvSpPr>
+          <p:cNvPr id="6" name="文本框 5"/>
+          <p:cNvSpPr txBox="1"/>
+          <p:nvPr/>
+        </p:nvSpPr>
+        <p:spPr>
+          <a:xfrm>
+            <a:off x="11265038" y="2562252"/>
+            <a:ext cx="778034" cy="307777"/>
+          </a:xfrm>
+          <a:prstGeom prst="rect">
+            <a:avLst/>
+          </a:prstGeom>
+          <a:noFill/>
+        </p:spPr>
+        <p:txBody>
+          <a:bodyPr wrap="none" rtlCol="0">
+            <a:spAutoFit/>
+          </a:bodyPr>
+          <a:lstStyle/>
+          <a:p>
+            <a:r>
+              <a:rPr lang="en-US" sz="1400" dirty="0" smtClean="0"/>
+              <a:t>Therapy</a:t>
+            </a:r>
+            <a:endParaRPr lang="en-US" sz="1400" dirty="0"/>
+          </a:p>
+        </p:txBody>
+      </p:sp>
+      <p:sp>
+        <p:nvSpPr>
+          <p:cNvPr id="53" name="文本框 52"/>
+          <p:cNvSpPr txBox="1"/>
+          <p:nvPr/>
+        </p:nvSpPr>
+        <p:spPr>
+          <a:xfrm>
+            <a:off x="11265038" y="2864082"/>
+            <a:ext cx="611065" cy="307777"/>
+          </a:xfrm>
+          <a:prstGeom prst="rect">
+            <a:avLst/>
+          </a:prstGeom>
+          <a:noFill/>
+        </p:spPr>
+        <p:txBody>
+          <a:bodyPr wrap="none" rtlCol="0">
+            <a:spAutoFit/>
+          </a:bodyPr>
+          <a:lstStyle/>
+          <a:p>
+            <a:r>
+              <a:rPr lang="en-US" sz="1400" dirty="0" smtClean="0"/>
+              <a:t>Sense</a:t>
+            </a:r>
+            <a:endParaRPr lang="en-US" sz="1400" dirty="0"/>
+          </a:p>
+        </p:txBody>
+      </p:sp>
+      <p:cxnSp>
+        <p:nvCxnSpPr>
+          <p:cNvPr id="14" name="直接箭头连接符 13"/>
+          <p:cNvCxnSpPr>
+            <a:stCxn id="41" idx="2"/>
+            <a:endCxn id="40" idx="0"/>
+          </p:cNvCxnSpPr>
+          <p:nvPr/>
+        </p:nvCxnSpPr>
+        <p:spPr>
+          <a:xfrm>
+            <a:off x="3297588" y="3209752"/>
+            <a:ext cx="892188" cy="699617"/>
+          </a:xfrm>
+          <a:prstGeom prst="straightConnector1">
+            <a:avLst/>
+          </a:prstGeom>
+          <a:ln w="38100" cmpd="sng">
+            <a:solidFill>
+              <a:srgbClr val="FF0000"/>
+            </a:solidFill>
+            <a:tailEnd type="arrow"/>
+          </a:ln>
+        </p:spPr>
+        <p:style>
+          <a:lnRef idx="2">
+            <a:schemeClr val="accent1"/>
+          </a:lnRef>
+          <a:fillRef idx="0">
+            <a:schemeClr val="accent1"/>
+          </a:fillRef>
+          <a:effectRef idx="1">
+            <a:schemeClr val="accent1"/>
+          </a:effectRef>
+          <a:fontRef idx="minor">
+            <a:schemeClr val="tx1"/>
+          </a:fontRef>
+        </p:style>
+      </p:cxnSp>
+      <p:cxnSp>
+        <p:nvCxnSpPr>
+          <p:cNvPr id="56" name="直接箭头连接符 55"/>
+          <p:cNvCxnSpPr/>
+          <p:nvPr/>
+        </p:nvCxnSpPr>
+        <p:spPr>
+          <a:xfrm>
+            <a:off x="10816049" y="3324474"/>
+            <a:ext cx="482321" cy="0"/>
+          </a:xfrm>
+          <a:prstGeom prst="straightConnector1">
+            <a:avLst/>
+          </a:prstGeom>
+          <a:ln>
+            <a:solidFill>
+              <a:srgbClr val="0070C0"/>
+            </a:solidFill>
+            <a:tailEnd type="triangle"/>
+          </a:ln>
+        </p:spPr>
+        <p:style>
+          <a:lnRef idx="2">
+            <a:schemeClr val="accent1"/>
+          </a:lnRef>
+          <a:fillRef idx="0">
+            <a:schemeClr val="accent1"/>
+          </a:fillRef>
+          <a:effectRef idx="1">
+            <a:schemeClr val="accent1"/>
+          </a:effectRef>
+          <a:fontRef idx="minor">
+            <a:schemeClr val="tx1"/>
+          </a:fontRef>
+        </p:style>
+      </p:cxnSp>
+      <p:sp>
+        <p:nvSpPr>
+          <p:cNvPr id="57" name="文本框 56"/>
+          <p:cNvSpPr txBox="1"/>
+          <p:nvPr/>
+        </p:nvSpPr>
+        <p:spPr>
+          <a:xfrm>
+            <a:off x="11277072" y="3141131"/>
+            <a:ext cx="780150" cy="307777"/>
+          </a:xfrm>
+          <a:prstGeom prst="rect">
+            <a:avLst/>
+          </a:prstGeom>
+          <a:noFill/>
+        </p:spPr>
+        <p:txBody>
+          <a:bodyPr wrap="none" rtlCol="0">
+            <a:spAutoFit/>
+          </a:bodyPr>
+          <a:lstStyle/>
+          <a:p>
+            <a:r>
+              <a:rPr lang="en-US" sz="1400" dirty="0" smtClean="0"/>
+              <a:t>Operate</a:t>
+            </a:r>
+            <a:endParaRPr lang="en-US" sz="1400" dirty="0"/>
+          </a:p>
+        </p:txBody>
+      </p:sp>
+      <p:cxnSp>
+        <p:nvCxnSpPr>
+          <p:cNvPr id="58" name="直接箭头连接符 57"/>
+          <p:cNvCxnSpPr/>
+          <p:nvPr/>
+        </p:nvCxnSpPr>
+        <p:spPr>
+          <a:xfrm>
+            <a:off x="10806000" y="3557260"/>
+            <a:ext cx="482321" cy="0"/>
+          </a:xfrm>
+          <a:prstGeom prst="straightConnector1">
+            <a:avLst/>
+          </a:prstGeom>
+          <a:ln>
+            <a:solidFill>
+              <a:schemeClr val="tx1"/>
+            </a:solidFill>
+            <a:prstDash val="sysDot"/>
+            <a:headEnd type="none" w="med" len="med"/>
+            <a:tailEnd type="none" w="med" len="med"/>
+          </a:ln>
+        </p:spPr>
+        <p:style>
+          <a:lnRef idx="2">
+            <a:schemeClr val="accent1"/>
+          </a:lnRef>
+          <a:fillRef idx="0">
+            <a:schemeClr val="accent1"/>
+          </a:fillRef>
+          <a:effectRef idx="1">
+            <a:schemeClr val="accent1"/>
+          </a:effectRef>
+          <a:fontRef idx="minor">
+            <a:schemeClr val="tx1"/>
+          </a:fontRef>
+        </p:style>
+      </p:cxnSp>
+      <p:sp>
+        <p:nvSpPr>
+          <p:cNvPr id="60" name="文本框 59"/>
+          <p:cNvSpPr txBox="1"/>
+          <p:nvPr/>
+        </p:nvSpPr>
+        <p:spPr>
+          <a:xfrm>
+            <a:off x="11278748" y="3373915"/>
+            <a:ext cx="654218" cy="307777"/>
+          </a:xfrm>
+          <a:prstGeom prst="rect">
+            <a:avLst/>
+          </a:prstGeom>
+          <a:noFill/>
+        </p:spPr>
+        <p:txBody>
+          <a:bodyPr wrap="none" rtlCol="0">
+            <a:spAutoFit/>
+          </a:bodyPr>
+          <a:lstStyle/>
+          <a:p>
+            <a:r>
+              <a:rPr lang="en-US" sz="1400" dirty="0" smtClean="0"/>
+              <a:t>offline</a:t>
+            </a:r>
+            <a:endParaRPr lang="en-US" sz="1400" dirty="0"/>
+          </a:p>
+        </p:txBody>
+      </p:sp>
+      <p:grpSp>
+        <p:nvGrpSpPr>
+          <p:cNvPr id="28" name="组合 27"/>
+          <p:cNvGrpSpPr/>
+          <p:nvPr/>
+        </p:nvGrpSpPr>
+        <p:grpSpPr>
+          <a:xfrm>
+            <a:off x="6198369" y="3568275"/>
+            <a:ext cx="566447" cy="326996"/>
+            <a:chOff x="5002395" y="1199188"/>
+            <a:chExt cx="807236" cy="529128"/>
+          </a:xfrm>
+          <a:solidFill>
+            <a:srgbClr val="FFC000"/>
+          </a:solidFill>
+        </p:grpSpPr>
+        <p:sp>
+          <p:nvSpPr>
+            <p:cNvPr id="25" name="左弧形箭头 24"/>
+            <p:cNvSpPr/>
+            <p:nvPr/>
+          </p:nvSpPr>
+          <p:spPr>
+            <a:xfrm>
+              <a:off x="5002395" y="1235947"/>
+              <a:ext cx="403618" cy="492369"/>
+            </a:xfrm>
+            <a:prstGeom prst="curvedRightArrow">
+              <a:avLst/>
+            </a:prstGeom>
+            <a:grpFill/>
+          </p:spPr>
+          <p:style>
+            <a:lnRef idx="1">
+              <a:schemeClr val="accent1"/>
+            </a:lnRef>
+            <a:fillRef idx="3">
+              <a:schemeClr val="accent1"/>
+            </a:fillRef>
+            <a:effectRef idx="2">
+              <a:schemeClr val="accent1"/>
+            </a:effectRef>
+            <a:fontRef idx="minor">
+              <a:schemeClr val="lt1"/>
+            </a:fontRef>
+          </p:style>
+          <p:txBody>
+            <a:bodyPr rtlCol="0" anchor="ctr"/>
+            <a:lstStyle/>
+            <a:p>
+              <a:pPr algn="ctr"/>
+              <a:endParaRPr lang="en-US">
+                <a:solidFill>
+                  <a:schemeClr val="tx1"/>
+                </a:solidFill>
+              </a:endParaRPr>
+            </a:p>
+          </p:txBody>
+        </p:sp>
+        <p:sp>
+          <p:nvSpPr>
+            <p:cNvPr id="61" name="左弧形箭头 60"/>
+            <p:cNvSpPr/>
+            <p:nvPr/>
+          </p:nvSpPr>
+          <p:spPr>
+            <a:xfrm rot="10800000">
+              <a:off x="5406013" y="1199188"/>
+              <a:ext cx="403618" cy="492369"/>
+            </a:xfrm>
+            <a:prstGeom prst="curvedRightArrow">
+              <a:avLst/>
+            </a:prstGeom>
+            <a:grpFill/>
+          </p:spPr>
+          <p:style>
+            <a:lnRef idx="1">
+              <a:schemeClr val="accent1"/>
+            </a:lnRef>
+            <a:fillRef idx="3">
+              <a:schemeClr val="accent1"/>
+            </a:fillRef>
+            <a:effectRef idx="2">
+              <a:schemeClr val="accent1"/>
+            </a:effectRef>
+            <a:fontRef idx="minor">
+              <a:schemeClr val="lt1"/>
+            </a:fontRef>
+          </p:style>
+          <p:txBody>
+            <a:bodyPr rtlCol="0" anchor="ctr"/>
+            <a:lstStyle/>
+            <a:p>
+              <a:pPr algn="ctr"/>
+              <a:endParaRPr lang="en-US">
+                <a:solidFill>
+                  <a:schemeClr val="tx1"/>
+                </a:solidFill>
+              </a:endParaRPr>
+            </a:p>
+          </p:txBody>
+        </p:sp>
+      </p:grpSp>
+      <p:grpSp>
+        <p:nvGrpSpPr>
+          <p:cNvPr id="62" name="组合 61"/>
+          <p:cNvGrpSpPr/>
+          <p:nvPr/>
+        </p:nvGrpSpPr>
+        <p:grpSpPr>
+          <a:xfrm>
+            <a:off x="9539102" y="4083105"/>
+            <a:ext cx="566447" cy="326996"/>
+            <a:chOff x="5002395" y="1199188"/>
+            <a:chExt cx="807236" cy="529128"/>
+          </a:xfrm>
+          <a:solidFill>
+            <a:srgbClr val="FFC000"/>
+          </a:solidFill>
+        </p:grpSpPr>
+        <p:sp>
+          <p:nvSpPr>
+            <p:cNvPr id="63" name="左弧形箭头 62"/>
+            <p:cNvSpPr/>
+            <p:nvPr/>
+          </p:nvSpPr>
+          <p:spPr>
+            <a:xfrm>
+              <a:off x="5002395" y="1235947"/>
+              <a:ext cx="403618" cy="492369"/>
+            </a:xfrm>
+            <a:prstGeom prst="curvedRightArrow">
+              <a:avLst/>
+            </a:prstGeom>
+            <a:grpFill/>
+          </p:spPr>
+          <p:style>
+            <a:lnRef idx="1">
+              <a:schemeClr val="accent1"/>
+            </a:lnRef>
+            <a:fillRef idx="3">
+              <a:schemeClr val="accent1"/>
+            </a:fillRef>
+            <a:effectRef idx="2">
+              <a:schemeClr val="accent1"/>
+            </a:effectRef>
+            <a:fontRef idx="minor">
+              <a:schemeClr val="lt1"/>
+            </a:fontRef>
+          </p:style>
+          <p:txBody>
+            <a:bodyPr rtlCol="0" anchor="ctr"/>
+            <a:lstStyle/>
+            <a:p>
+              <a:pPr algn="ctr"/>
+              <a:endParaRPr lang="en-US">
+                <a:solidFill>
+                  <a:schemeClr val="tx1"/>
+                </a:solidFill>
+              </a:endParaRPr>
+            </a:p>
+          </p:txBody>
+        </p:sp>
+        <p:sp>
+          <p:nvSpPr>
+            <p:cNvPr id="64" name="左弧形箭头 63"/>
+            <p:cNvSpPr/>
+            <p:nvPr/>
+          </p:nvSpPr>
+          <p:spPr>
+            <a:xfrm rot="10800000">
+              <a:off x="5406013" y="1199188"/>
+              <a:ext cx="403618" cy="492369"/>
+            </a:xfrm>
+            <a:prstGeom prst="curvedRightArrow">
+              <a:avLst/>
+            </a:prstGeom>
+            <a:grpFill/>
+          </p:spPr>
+          <p:style>
+            <a:lnRef idx="1">
+              <a:schemeClr val="accent1"/>
+            </a:lnRef>
+            <a:fillRef idx="3">
+              <a:schemeClr val="accent1"/>
+            </a:fillRef>
+            <a:effectRef idx="2">
+              <a:schemeClr val="accent1"/>
+            </a:effectRef>
+            <a:fontRef idx="minor">
+              <a:schemeClr val="lt1"/>
+            </a:fontRef>
+          </p:style>
+          <p:txBody>
+            <a:bodyPr rtlCol="0" anchor="ctr"/>
+            <a:lstStyle/>
+            <a:p>
+              <a:pPr algn="ctr"/>
+              <a:endParaRPr lang="en-US">
+                <a:solidFill>
+                  <a:schemeClr val="tx1"/>
+                </a:solidFill>
+              </a:endParaRPr>
+            </a:p>
+          </p:txBody>
+        </p:sp>
+      </p:grpSp>
+      <p:grpSp>
+        <p:nvGrpSpPr>
+          <p:cNvPr id="67" name="组合 66"/>
+          <p:cNvGrpSpPr/>
+          <p:nvPr/>
+        </p:nvGrpSpPr>
+        <p:grpSpPr>
+          <a:xfrm>
+            <a:off x="2943957" y="3541078"/>
+            <a:ext cx="602194" cy="447785"/>
+            <a:chOff x="4994030" y="1229333"/>
+            <a:chExt cx="783772" cy="619564"/>
+          </a:xfrm>
+          <a:solidFill>
+            <a:srgbClr val="FFC000"/>
+          </a:solidFill>
+        </p:grpSpPr>
+        <p:sp>
+          <p:nvSpPr>
+            <p:cNvPr id="65" name="右弧形箭头 64"/>
+            <p:cNvSpPr/>
+            <p:nvPr/>
+          </p:nvSpPr>
+          <p:spPr>
+            <a:xfrm>
+              <a:off x="5385916" y="1266092"/>
+              <a:ext cx="391886" cy="582805"/>
+            </a:xfrm>
+            <a:prstGeom prst="curvedLeftArrow">
+              <a:avLst/>
+            </a:prstGeom>
+            <a:grpFill/>
+          </p:spPr>
+          <p:style>
+            <a:lnRef idx="1">
+              <a:schemeClr val="accent1"/>
+            </a:lnRef>
+            <a:fillRef idx="3">
+              <a:schemeClr val="accent1"/>
+            </a:fillRef>
+            <a:effectRef idx="2">
+              <a:schemeClr val="accent1"/>
+            </a:effectRef>
+            <a:fontRef idx="minor">
+              <a:schemeClr val="lt1"/>
+            </a:fontRef>
+          </p:style>
+          <p:txBody>
+            <a:bodyPr rtlCol="0" anchor="ctr"/>
+            <a:lstStyle/>
+            <a:p>
+              <a:pPr algn="ctr"/>
+              <a:endParaRPr lang="en-US">
+                <a:solidFill>
+                  <a:schemeClr val="tx1"/>
+                </a:solidFill>
+              </a:endParaRPr>
+            </a:p>
+          </p:txBody>
+        </p:sp>
+        <p:sp>
+          <p:nvSpPr>
+            <p:cNvPr id="66" name="右弧形箭头 65"/>
+            <p:cNvSpPr/>
+            <p:nvPr/>
+          </p:nvSpPr>
+          <p:spPr>
+            <a:xfrm rot="10800000">
+              <a:off x="4994030" y="1229333"/>
+              <a:ext cx="391886" cy="582805"/>
+            </a:xfrm>
+            <a:prstGeom prst="curvedLeftArrow">
+              <a:avLst/>
+            </a:prstGeom>
+            <a:grpFill/>
+          </p:spPr>
+          <p:style>
+            <a:lnRef idx="1">
+              <a:schemeClr val="accent1"/>
+            </a:lnRef>
+            <a:fillRef idx="3">
+              <a:schemeClr val="accent1"/>
+            </a:fillRef>
+            <a:effectRef idx="2">
+              <a:schemeClr val="accent1"/>
+            </a:effectRef>
+            <a:fontRef idx="minor">
+              <a:schemeClr val="lt1"/>
+            </a:fontRef>
+          </p:style>
+          <p:txBody>
+            <a:bodyPr rtlCol="0" anchor="ctr"/>
+            <a:lstStyle/>
+            <a:p>
+              <a:pPr algn="ctr"/>
+              <a:endParaRPr lang="en-US">
+                <a:solidFill>
+                  <a:schemeClr val="tx1"/>
+                </a:solidFill>
+              </a:endParaRPr>
+            </a:p>
+          </p:txBody>
+        </p:sp>
+      </p:grpSp>
     </p:spTree>
     <p:extLst>
       <p:ext uri="{BB962C8B-B14F-4D97-AF65-F5344CB8AC3E}">

--- a/figs/closed-loop.pptx
+++ b/figs/closed-loop.pptx
@@ -304,7 +304,7 @@
           <a:p>
             <a:fld id="{E9EB3E5B-3A48-BE41-BA18-533F6FCB141B}" type="datetimeFigureOut">
               <a:rPr kumimoji="1" lang="zh-CN" altLang="en-US" smtClean="0"/>
-              <a:t>2015/7/27</a:t>
+              <a:t>2015/7/28</a:t>
             </a:fld>
             <a:endParaRPr kumimoji="1" lang="zh-CN" altLang="en-US"/>
           </a:p>
@@ -474,7 +474,7 @@
           <a:p>
             <a:fld id="{E9EB3E5B-3A48-BE41-BA18-533F6FCB141B}" type="datetimeFigureOut">
               <a:rPr kumimoji="1" lang="zh-CN" altLang="en-US" smtClean="0"/>
-              <a:t>2015/7/27</a:t>
+              <a:t>2015/7/28</a:t>
             </a:fld>
             <a:endParaRPr kumimoji="1" lang="zh-CN" altLang="en-US"/>
           </a:p>
@@ -654,7 +654,7 @@
           <a:p>
             <a:fld id="{E9EB3E5B-3A48-BE41-BA18-533F6FCB141B}" type="datetimeFigureOut">
               <a:rPr kumimoji="1" lang="zh-CN" altLang="en-US" smtClean="0"/>
-              <a:t>2015/7/27</a:t>
+              <a:t>2015/7/28</a:t>
             </a:fld>
             <a:endParaRPr kumimoji="1" lang="zh-CN" altLang="en-US"/>
           </a:p>
@@ -824,7 +824,7 @@
           <a:p>
             <a:fld id="{E9EB3E5B-3A48-BE41-BA18-533F6FCB141B}" type="datetimeFigureOut">
               <a:rPr kumimoji="1" lang="zh-CN" altLang="en-US" smtClean="0"/>
-              <a:t>2015/7/27</a:t>
+              <a:t>2015/7/28</a:t>
             </a:fld>
             <a:endParaRPr kumimoji="1" lang="zh-CN" altLang="en-US"/>
           </a:p>
@@ -1070,7 +1070,7 @@
           <a:p>
             <a:fld id="{E9EB3E5B-3A48-BE41-BA18-533F6FCB141B}" type="datetimeFigureOut">
               <a:rPr kumimoji="1" lang="zh-CN" altLang="en-US" smtClean="0"/>
-              <a:t>2015/7/27</a:t>
+              <a:t>2015/7/28</a:t>
             </a:fld>
             <a:endParaRPr kumimoji="1" lang="zh-CN" altLang="en-US"/>
           </a:p>
@@ -1358,7 +1358,7 @@
           <a:p>
             <a:fld id="{E9EB3E5B-3A48-BE41-BA18-533F6FCB141B}" type="datetimeFigureOut">
               <a:rPr kumimoji="1" lang="zh-CN" altLang="en-US" smtClean="0"/>
-              <a:t>2015/7/27</a:t>
+              <a:t>2015/7/28</a:t>
             </a:fld>
             <a:endParaRPr kumimoji="1" lang="zh-CN" altLang="en-US"/>
           </a:p>
@@ -1780,7 +1780,7 @@
           <a:p>
             <a:fld id="{E9EB3E5B-3A48-BE41-BA18-533F6FCB141B}" type="datetimeFigureOut">
               <a:rPr kumimoji="1" lang="zh-CN" altLang="en-US" smtClean="0"/>
-              <a:t>2015/7/27</a:t>
+              <a:t>2015/7/28</a:t>
             </a:fld>
             <a:endParaRPr kumimoji="1" lang="zh-CN" altLang="en-US"/>
           </a:p>
@@ -1898,7 +1898,7 @@
           <a:p>
             <a:fld id="{E9EB3E5B-3A48-BE41-BA18-533F6FCB141B}" type="datetimeFigureOut">
               <a:rPr kumimoji="1" lang="zh-CN" altLang="en-US" smtClean="0"/>
-              <a:t>2015/7/27</a:t>
+              <a:t>2015/7/28</a:t>
             </a:fld>
             <a:endParaRPr kumimoji="1" lang="zh-CN" altLang="en-US"/>
           </a:p>
@@ -1993,7 +1993,7 @@
           <a:p>
             <a:fld id="{E9EB3E5B-3A48-BE41-BA18-533F6FCB141B}" type="datetimeFigureOut">
               <a:rPr kumimoji="1" lang="zh-CN" altLang="en-US" smtClean="0"/>
-              <a:t>2015/7/27</a:t>
+              <a:t>2015/7/28</a:t>
             </a:fld>
             <a:endParaRPr kumimoji="1" lang="zh-CN" altLang="en-US"/>
           </a:p>
@@ -2270,7 +2270,7 @@
           <a:p>
             <a:fld id="{E9EB3E5B-3A48-BE41-BA18-533F6FCB141B}" type="datetimeFigureOut">
               <a:rPr kumimoji="1" lang="zh-CN" altLang="en-US" smtClean="0"/>
-              <a:t>2015/7/27</a:t>
+              <a:t>2015/7/28</a:t>
             </a:fld>
             <a:endParaRPr kumimoji="1" lang="zh-CN" altLang="en-US"/>
           </a:p>
@@ -2523,7 +2523,7 @@
           <a:p>
             <a:fld id="{E9EB3E5B-3A48-BE41-BA18-533F6FCB141B}" type="datetimeFigureOut">
               <a:rPr kumimoji="1" lang="zh-CN" altLang="en-US" smtClean="0"/>
-              <a:t>2015/7/27</a:t>
+              <a:t>2015/7/28</a:t>
             </a:fld>
             <a:endParaRPr kumimoji="1" lang="zh-CN" altLang="en-US"/>
           </a:p>
@@ -2736,7 +2736,7 @@
           <a:p>
             <a:fld id="{E9EB3E5B-3A48-BE41-BA18-533F6FCB141B}" type="datetimeFigureOut">
               <a:rPr kumimoji="1" lang="zh-CN" altLang="en-US" smtClean="0"/>
-              <a:t>2015/7/27</a:t>
+              <a:t>2015/7/28</a:t>
             </a:fld>
             <a:endParaRPr kumimoji="1" lang="zh-CN" altLang="en-US"/>
           </a:p>
@@ -4034,8 +4034,8 @@
         </p:nvSpPr>
         <p:spPr>
           <a:xfrm>
-            <a:off x="2382525" y="4589659"/>
-            <a:ext cx="623513" cy="523220"/>
+            <a:off x="2030834" y="4589659"/>
+            <a:ext cx="2335896" cy="400110"/>
           </a:xfrm>
           <a:prstGeom prst="rect">
             <a:avLst/>
@@ -4049,13 +4049,20 @@
           <a:lstStyle/>
           <a:p>
             <a:r>
-              <a:rPr kumimoji="1" lang="en-US" altLang="zh-CN" sz="2800" b="1" dirty="0" smtClean="0">
+              <a:rPr kumimoji="1" lang="en-US" altLang="zh-CN" sz="2000" b="1" dirty="0" smtClean="0">
                 <a:latin typeface="Arial"/>
                 <a:cs typeface="Arial"/>
               </a:rPr>
-              <a:t>(a)</a:t>
-            </a:r>
-            <a:endParaRPr kumimoji="1" lang="zh-CN" altLang="en-US" sz="2800" b="1" dirty="0">
+              <a:t>(a</a:t>
+            </a:r>
+            <a:r>
+              <a:rPr kumimoji="1" lang="en-US" altLang="zh-CN" sz="2000" b="1" dirty="0" smtClean="0">
+                <a:latin typeface="Arial"/>
+                <a:cs typeface="Arial"/>
+              </a:rPr>
+              <a:t>) Diagnose-only</a:t>
+            </a:r>
+            <a:endParaRPr kumimoji="1" lang="zh-CN" altLang="en-US" sz="2000" b="1" dirty="0">
               <a:latin typeface="Arial"/>
               <a:cs typeface="Arial"/>
             </a:endParaRPr>
@@ -4070,8 +4077,8 @@
         </p:nvSpPr>
         <p:spPr>
           <a:xfrm>
-            <a:off x="6182647" y="4589659"/>
-            <a:ext cx="643150" cy="523220"/>
+            <a:off x="5439072" y="4589659"/>
+            <a:ext cx="2193229" cy="400110"/>
           </a:xfrm>
           <a:prstGeom prst="rect">
             <a:avLst/>
@@ -4085,13 +4092,20 @@
           <a:lstStyle/>
           <a:p>
             <a:r>
-              <a:rPr kumimoji="1" lang="en-US" altLang="zh-CN" sz="2800" b="1" dirty="0" smtClean="0">
+              <a:rPr kumimoji="1" lang="en-US" altLang="zh-CN" sz="2000" b="1" dirty="0" smtClean="0">
                 <a:latin typeface="Arial"/>
                 <a:cs typeface="Arial"/>
               </a:rPr>
-              <a:t>(b)</a:t>
-            </a:r>
-            <a:endParaRPr kumimoji="1" lang="zh-CN" altLang="en-US" sz="2800" b="1" dirty="0">
+              <a:t>(b</a:t>
+            </a:r>
+            <a:r>
+              <a:rPr kumimoji="1" lang="en-US" altLang="zh-CN" sz="2000" b="1" dirty="0" smtClean="0">
+                <a:latin typeface="Arial"/>
+                <a:cs typeface="Arial"/>
+              </a:rPr>
+              <a:t>) Therapy-only</a:t>
+            </a:r>
+            <a:endParaRPr kumimoji="1" lang="zh-CN" altLang="en-US" sz="2000" b="1" dirty="0">
               <a:latin typeface="Arial"/>
               <a:cs typeface="Arial"/>
             </a:endParaRPr>
@@ -4106,8 +4120,8 @@
         </p:nvSpPr>
         <p:spPr>
           <a:xfrm>
-            <a:off x="9600470" y="4589659"/>
-            <a:ext cx="623513" cy="523220"/>
+            <a:off x="8927233" y="4589659"/>
+            <a:ext cx="2050561" cy="400110"/>
           </a:xfrm>
           <a:prstGeom prst="rect">
             <a:avLst/>
@@ -4121,13 +4135,20 @@
           <a:lstStyle/>
           <a:p>
             <a:r>
-              <a:rPr kumimoji="1" lang="en-US" altLang="zh-CN" sz="2800" b="1" dirty="0" smtClean="0">
+              <a:rPr kumimoji="1" lang="en-US" altLang="zh-CN" sz="2000" b="1" dirty="0" smtClean="0">
                 <a:latin typeface="Arial"/>
                 <a:cs typeface="Arial"/>
               </a:rPr>
-              <a:t>(c)</a:t>
-            </a:r>
-            <a:endParaRPr kumimoji="1" lang="zh-CN" altLang="en-US" sz="2800" b="1" dirty="0">
+              <a:t>(c</a:t>
+            </a:r>
+            <a:r>
+              <a:rPr kumimoji="1" lang="en-US" altLang="zh-CN" sz="2000" b="1" dirty="0" smtClean="0">
+                <a:latin typeface="Arial"/>
+                <a:cs typeface="Arial"/>
+              </a:rPr>
+              <a:t>) Closed-loop</a:t>
+            </a:r>
+            <a:endParaRPr kumimoji="1" lang="zh-CN" altLang="en-US" sz="2000" b="1" dirty="0">
               <a:latin typeface="Arial"/>
               <a:cs typeface="Arial"/>
             </a:endParaRPr>

--- a/figs/closed-loop.pptx
+++ b/figs/closed-loop.pptx
@@ -4053,14 +4053,7 @@
                 <a:latin typeface="Arial"/>
                 <a:cs typeface="Arial"/>
               </a:rPr>
-              <a:t>(a</a:t>
-            </a:r>
-            <a:r>
-              <a:rPr kumimoji="1" lang="en-US" altLang="zh-CN" sz="2000" b="1" dirty="0" smtClean="0">
-                <a:latin typeface="Arial"/>
-                <a:cs typeface="Arial"/>
-              </a:rPr>
-              <a:t>) Diagnose-only</a:t>
+              <a:t>(a) Diagnose-only</a:t>
             </a:r>
             <a:endParaRPr kumimoji="1" lang="zh-CN" altLang="en-US" sz="2000" b="1" dirty="0">
               <a:latin typeface="Arial"/>
@@ -4096,14 +4089,7 @@
                 <a:latin typeface="Arial"/>
                 <a:cs typeface="Arial"/>
               </a:rPr>
-              <a:t>(b</a:t>
-            </a:r>
-            <a:r>
-              <a:rPr kumimoji="1" lang="en-US" altLang="zh-CN" sz="2000" b="1" dirty="0" smtClean="0">
-                <a:latin typeface="Arial"/>
-                <a:cs typeface="Arial"/>
-              </a:rPr>
-              <a:t>) Therapy-only</a:t>
+              <a:t>(b) Therapy-only</a:t>
             </a:r>
             <a:endParaRPr kumimoji="1" lang="zh-CN" altLang="en-US" sz="2000" b="1" dirty="0">
               <a:latin typeface="Arial"/>
@@ -4139,14 +4125,7 @@
                 <a:latin typeface="Arial"/>
                 <a:cs typeface="Arial"/>
               </a:rPr>
-              <a:t>(c</a:t>
-            </a:r>
-            <a:r>
-              <a:rPr kumimoji="1" lang="en-US" altLang="zh-CN" sz="2000" b="1" dirty="0" smtClean="0">
-                <a:latin typeface="Arial"/>
-                <a:cs typeface="Arial"/>
-              </a:rPr>
-              <a:t>) Closed-loop</a:t>
+              <a:t>(c) Closed-loop</a:t>
             </a:r>
             <a:endParaRPr kumimoji="1" lang="zh-CN" altLang="en-US" sz="2000" b="1" dirty="0">
               <a:latin typeface="Arial"/>
@@ -4163,8 +4142,8 @@
         </p:nvSpPr>
         <p:spPr>
           <a:xfrm>
-            <a:off x="10721598" y="2602518"/>
-            <a:ext cx="1321474" cy="1055081"/>
+            <a:off x="7388119" y="2562252"/>
+            <a:ext cx="1464834" cy="1055081"/>
           </a:xfrm>
           <a:prstGeom prst="rect">
             <a:avLst/>
@@ -4207,7 +4186,7 @@
         </p:nvCxnSpPr>
         <p:spPr>
           <a:xfrm>
-            <a:off x="10806000" y="2719823"/>
+            <a:off x="7472521" y="2679557"/>
             <a:ext cx="482321" cy="0"/>
           </a:xfrm>
           <a:prstGeom prst="straightConnector1">
@@ -4243,7 +4222,7 @@
         </p:nvCxnSpPr>
         <p:spPr>
           <a:xfrm>
-            <a:off x="10816049" y="3021349"/>
+            <a:off x="7482570" y="2981083"/>
             <a:ext cx="482321" cy="0"/>
           </a:xfrm>
           <a:prstGeom prst="straightConnector1">
@@ -4279,7 +4258,7 @@
         </p:nvSpPr>
         <p:spPr>
           <a:xfrm>
-            <a:off x="11265038" y="2562252"/>
+            <a:off x="7931559" y="2521986"/>
             <a:ext cx="778034" cy="307777"/>
           </a:xfrm>
           <a:prstGeom prst="rect">
@@ -4309,7 +4288,7 @@
         </p:nvSpPr>
         <p:spPr>
           <a:xfrm>
-            <a:off x="11265038" y="2864082"/>
+            <a:off x="7931559" y="2823816"/>
             <a:ext cx="611065" cy="307777"/>
           </a:xfrm>
           <a:prstGeom prst="rect">
@@ -4378,7 +4357,7 @@
         </p:nvCxnSpPr>
         <p:spPr>
           <a:xfrm>
-            <a:off x="10816049" y="3324474"/>
+            <a:off x="7482570" y="3284208"/>
             <a:ext cx="482321" cy="0"/>
           </a:xfrm>
           <a:prstGeom prst="straightConnector1">
@@ -4414,7 +4393,7 @@
         </p:nvSpPr>
         <p:spPr>
           <a:xfrm>
-            <a:off x="11277072" y="3141131"/>
+            <a:off x="7943593" y="3100865"/>
             <a:ext cx="780150" cy="307777"/>
           </a:xfrm>
           <a:prstGeom prst="rect">
@@ -4444,7 +4423,7 @@
         </p:nvCxnSpPr>
         <p:spPr>
           <a:xfrm>
-            <a:off x="10806000" y="3557260"/>
+            <a:off x="7472521" y="3516994"/>
             <a:ext cx="482321" cy="0"/>
           </a:xfrm>
           <a:prstGeom prst="straightConnector1">
@@ -4482,8 +4461,8 @@
         </p:nvSpPr>
         <p:spPr>
           <a:xfrm>
-            <a:off x="11278748" y="3373915"/>
-            <a:ext cx="654218" cy="307777"/>
+            <a:off x="7945269" y="3333649"/>
+            <a:ext cx="907684" cy="307777"/>
           </a:xfrm>
           <a:prstGeom prst="rect">
             <a:avLst/>
@@ -4498,7 +4477,7 @@
           <a:p>
             <a:r>
               <a:rPr lang="en-US" sz="1400" dirty="0" smtClean="0"/>
-              <a:t>offline</a:t>
+              <a:t>Follow-up</a:t>
             </a:r>
             <a:endParaRPr lang="en-US" sz="1400" dirty="0"/>
           </a:p>
